--- a/presentatie.pptx
+++ b/presentatie.pptx
@@ -6,9 +6,12 @@
   </p:sldMasterIdLst>
   <p:sldIdLst>
     <p:sldId id="256" r:id="rId2"/>
-    <p:sldId id="257" r:id="rId3"/>
-    <p:sldId id="258" r:id="rId4"/>
-    <p:sldId id="259" r:id="rId5"/>
+    <p:sldId id="263" r:id="rId3"/>
+    <p:sldId id="262" r:id="rId4"/>
+    <p:sldId id="264" r:id="rId5"/>
+    <p:sldId id="265" r:id="rId6"/>
+    <p:sldId id="261" r:id="rId7"/>
+    <p:sldId id="266" r:id="rId8"/>
   </p:sldIdLst>
   <p:sldSz cx="12192000" cy="6858000"/>
   <p:notesSz cx="6858000" cy="9144000"/>
@@ -107,6 +110,11 @@
       </a:defRPr>
     </a:lvl9pPr>
   </p:defaultTextStyle>
+  <p:extLst>
+    <p:ext uri="{EFAFB233-063F-42B5-8137-9DF3F51BA10A}">
+      <p15:sldGuideLst xmlns:p15="http://schemas.microsoft.com/office/powerpoint/2012/main"/>
+    </p:ext>
+  </p:extLst>
 </p:presentation>
 </file>
 
@@ -259,7 +267,7 @@
           <a:p>
             <a:fld id="{B942484F-CCE1-46C1-9F38-8562C73F1BA4}" type="datetimeFigureOut">
               <a:rPr lang="nl-BE" smtClean="0"/>
-              <a:t>31/10/2022</a:t>
+              <a:t>2/11/2022</a:t>
             </a:fld>
             <a:endParaRPr lang="nl-BE"/>
           </a:p>
@@ -459,7 +467,7 @@
           <a:p>
             <a:fld id="{B942484F-CCE1-46C1-9F38-8562C73F1BA4}" type="datetimeFigureOut">
               <a:rPr lang="nl-BE" smtClean="0"/>
-              <a:t>31/10/2022</a:t>
+              <a:t>2/11/2022</a:t>
             </a:fld>
             <a:endParaRPr lang="nl-BE"/>
           </a:p>
@@ -669,7 +677,7 @@
           <a:p>
             <a:fld id="{B942484F-CCE1-46C1-9F38-8562C73F1BA4}" type="datetimeFigureOut">
               <a:rPr lang="nl-BE" smtClean="0"/>
-              <a:t>31/10/2022</a:t>
+              <a:t>2/11/2022</a:t>
             </a:fld>
             <a:endParaRPr lang="nl-BE"/>
           </a:p>
@@ -869,7 +877,7 @@
           <a:p>
             <a:fld id="{B942484F-CCE1-46C1-9F38-8562C73F1BA4}" type="datetimeFigureOut">
               <a:rPr lang="nl-BE" smtClean="0"/>
-              <a:t>31/10/2022</a:t>
+              <a:t>2/11/2022</a:t>
             </a:fld>
             <a:endParaRPr lang="nl-BE"/>
           </a:p>
@@ -1145,7 +1153,7 @@
           <a:p>
             <a:fld id="{B942484F-CCE1-46C1-9F38-8562C73F1BA4}" type="datetimeFigureOut">
               <a:rPr lang="nl-BE" smtClean="0"/>
-              <a:t>31/10/2022</a:t>
+              <a:t>2/11/2022</a:t>
             </a:fld>
             <a:endParaRPr lang="nl-BE"/>
           </a:p>
@@ -1413,7 +1421,7 @@
           <a:p>
             <a:fld id="{B942484F-CCE1-46C1-9F38-8562C73F1BA4}" type="datetimeFigureOut">
               <a:rPr lang="nl-BE" smtClean="0"/>
-              <a:t>31/10/2022</a:t>
+              <a:t>2/11/2022</a:t>
             </a:fld>
             <a:endParaRPr lang="nl-BE"/>
           </a:p>
@@ -1828,7 +1836,7 @@
           <a:p>
             <a:fld id="{B942484F-CCE1-46C1-9F38-8562C73F1BA4}" type="datetimeFigureOut">
               <a:rPr lang="nl-BE" smtClean="0"/>
-              <a:t>31/10/2022</a:t>
+              <a:t>2/11/2022</a:t>
             </a:fld>
             <a:endParaRPr lang="nl-BE"/>
           </a:p>
@@ -1970,7 +1978,7 @@
           <a:p>
             <a:fld id="{B942484F-CCE1-46C1-9F38-8562C73F1BA4}" type="datetimeFigureOut">
               <a:rPr lang="nl-BE" smtClean="0"/>
-              <a:t>31/10/2022</a:t>
+              <a:t>2/11/2022</a:t>
             </a:fld>
             <a:endParaRPr lang="nl-BE"/>
           </a:p>
@@ -2083,7 +2091,7 @@
           <a:p>
             <a:fld id="{B942484F-CCE1-46C1-9F38-8562C73F1BA4}" type="datetimeFigureOut">
               <a:rPr lang="nl-BE" smtClean="0"/>
-              <a:t>31/10/2022</a:t>
+              <a:t>2/11/2022</a:t>
             </a:fld>
             <a:endParaRPr lang="nl-BE"/>
           </a:p>
@@ -2396,7 +2404,7 @@
           <a:p>
             <a:fld id="{B942484F-CCE1-46C1-9F38-8562C73F1BA4}" type="datetimeFigureOut">
               <a:rPr lang="nl-BE" smtClean="0"/>
-              <a:t>31/10/2022</a:t>
+              <a:t>2/11/2022</a:t>
             </a:fld>
             <a:endParaRPr lang="nl-BE"/>
           </a:p>
@@ -2685,7 +2693,7 @@
           <a:p>
             <a:fld id="{B942484F-CCE1-46C1-9F38-8562C73F1BA4}" type="datetimeFigureOut">
               <a:rPr lang="nl-BE" smtClean="0"/>
-              <a:t>31/10/2022</a:t>
+              <a:t>2/11/2022</a:t>
             </a:fld>
             <a:endParaRPr lang="nl-BE"/>
           </a:p>
@@ -2928,7 +2936,7 @@
           <a:p>
             <a:fld id="{B942484F-CCE1-46C1-9F38-8562C73F1BA4}" type="datetimeFigureOut">
               <a:rPr lang="nl-BE" smtClean="0"/>
-              <a:t>31/10/2022</a:t>
+              <a:t>2/11/2022</a:t>
             </a:fld>
             <a:endParaRPr lang="nl-BE"/>
           </a:p>
@@ -3331,6 +3339,14 @@
 <file path=ppt/slides/slide1.xml><?xml version="1.0" encoding="utf-8"?>
 <p:sld xmlns:a="http://schemas.openxmlformats.org/drawingml/2006/main" xmlns:r="http://schemas.openxmlformats.org/officeDocument/2006/relationships" xmlns:p="http://schemas.openxmlformats.org/presentationml/2006/main">
   <p:cSld>
+    <p:bg>
+      <p:bgPr>
+        <a:solidFill>
+          <a:srgbClr val="DCDCDC"/>
+        </a:solidFill>
+        <a:effectLst/>
+      </p:bgPr>
+    </p:bg>
     <p:spTree>
       <p:nvGrpSpPr>
         <p:cNvPr id="1" name=""/>
@@ -3347,6 +3363,68 @@
       </p:grpSpPr>
       <p:sp>
         <p:nvSpPr>
+          <p:cNvPr id="5" name="Rechthoek: afgeronde hoeken 4">
+            <a:extLst>
+              <a:ext uri="{FF2B5EF4-FFF2-40B4-BE49-F238E27FC236}">
+                <a16:creationId xmlns:a16="http://schemas.microsoft.com/office/drawing/2014/main" id="{1CE9AB6A-4EC7-8687-91B4-B714FD0EB3C7}"/>
+              </a:ext>
+            </a:extLst>
+          </p:cNvPr>
+          <p:cNvSpPr/>
+          <p:nvPr/>
+        </p:nvSpPr>
+        <p:spPr>
+          <a:xfrm>
+            <a:off x="1935933" y="1370358"/>
+            <a:ext cx="8320134" cy="4463359"/>
+          </a:xfrm>
+          <a:prstGeom prst="roundRect">
+            <a:avLst>
+              <a:gd name="adj" fmla="val 1406"/>
+            </a:avLst>
+          </a:prstGeom>
+          <a:solidFill>
+            <a:schemeClr val="bg1"/>
+          </a:solidFill>
+          <a:ln>
+            <a:noFill/>
+          </a:ln>
+          <a:effectLst>
+            <a:outerShdw blurRad="50800" dist="50800" dir="5580000" algn="ctr" rotWithShape="0">
+              <a:srgbClr val="000000">
+                <a:alpha val="4000"/>
+              </a:srgbClr>
+            </a:outerShdw>
+            <a:softEdge rad="0"/>
+          </a:effectLst>
+        </p:spPr>
+        <p:style>
+          <a:lnRef idx="2">
+            <a:schemeClr val="accent1">
+              <a:shade val="50000"/>
+            </a:schemeClr>
+          </a:lnRef>
+          <a:fillRef idx="1">
+            <a:schemeClr val="accent1"/>
+          </a:fillRef>
+          <a:effectRef idx="0">
+            <a:schemeClr val="accent1"/>
+          </a:effectRef>
+          <a:fontRef idx="minor">
+            <a:schemeClr val="lt1"/>
+          </a:fontRef>
+        </p:style>
+        <p:txBody>
+          <a:bodyPr rtlCol="0" anchor="ctr"/>
+          <a:lstStyle/>
+          <a:p>
+            <a:pPr algn="ctr"/>
+            <a:endParaRPr lang="nl-BE"/>
+          </a:p>
+        </p:txBody>
+      </p:sp>
+      <p:sp>
+        <p:nvSpPr>
           <p:cNvPr id="2" name="Titel 1">
             <a:extLst>
               <a:ext uri="{FF2B5EF4-FFF2-40B4-BE49-F238E27FC236}">
@@ -3368,7 +3446,7 @@
           <a:p>
             <a:r>
               <a:rPr lang="nl-BE" dirty="0"/>
-              <a:t>User interfaces 3</a:t>
+              <a:t>User Interfaces 3</a:t>
             </a:r>
           </a:p>
         </p:txBody>
@@ -3391,13 +3469,73 @@
         </p:nvSpPr>
         <p:spPr/>
         <p:txBody>
-          <a:bodyPr/>
-          <a:lstStyle/>
-          <a:p>
-            <a:r>
-              <a:rPr lang="nl-BE" dirty="0"/>
-              <a:t>UI3SHOP</a:t>
-            </a:r>
+          <a:bodyPr>
+            <a:normAutofit/>
+          </a:bodyPr>
+          <a:lstStyle/>
+          <a:p>
+            <a:r>
+              <a:rPr lang="nl-BE" sz="2000" dirty="0"/>
+              <a:t>Maxim Derboven</a:t>
+            </a:r>
+          </a:p>
+          <a:p>
+            <a:r>
+              <a:rPr lang="nl-BE" sz="1800" i="1" dirty="0"/>
+              <a:t>2022-2023</a:t>
+            </a:r>
+          </a:p>
+          <a:p>
+            <a:endParaRPr lang="nl-BE" sz="2000" dirty="0"/>
+          </a:p>
+        </p:txBody>
+      </p:sp>
+      <p:sp>
+        <p:nvSpPr>
+          <p:cNvPr id="4" name="Rechthoek 3">
+            <a:extLst>
+              <a:ext uri="{FF2B5EF4-FFF2-40B4-BE49-F238E27FC236}">
+                <a16:creationId xmlns:a16="http://schemas.microsoft.com/office/drawing/2014/main" id="{E42C05AB-2C12-60A5-02EF-DFED022A483C}"/>
+              </a:ext>
+            </a:extLst>
+          </p:cNvPr>
+          <p:cNvSpPr/>
+          <p:nvPr/>
+        </p:nvSpPr>
+        <p:spPr>
+          <a:xfrm>
+            <a:off x="-235390" y="-99588"/>
+            <a:ext cx="12593370" cy="633742"/>
+          </a:xfrm>
+          <a:prstGeom prst="rect">
+            <a:avLst/>
+          </a:prstGeom>
+          <a:solidFill>
+            <a:srgbClr val="234671"/>
+          </a:solidFill>
+        </p:spPr>
+        <p:style>
+          <a:lnRef idx="2">
+            <a:schemeClr val="accent1">
+              <a:shade val="50000"/>
+            </a:schemeClr>
+          </a:lnRef>
+          <a:fillRef idx="1">
+            <a:schemeClr val="accent1"/>
+          </a:fillRef>
+          <a:effectRef idx="0">
+            <a:schemeClr val="accent1"/>
+          </a:effectRef>
+          <a:fontRef idx="minor">
+            <a:schemeClr val="lt1"/>
+          </a:fontRef>
+        </p:style>
+        <p:txBody>
+          <a:bodyPr rtlCol="0" anchor="ctr"/>
+          <a:lstStyle/>
+          <a:p>
+            <a:pPr algn="ctr"/>
+            <a:endParaRPr lang="nl-BE"/>
           </a:p>
         </p:txBody>
       </p:sp>
@@ -3417,6 +3555,14 @@
 <file path=ppt/slides/slide2.xml><?xml version="1.0" encoding="utf-8"?>
 <p:sld xmlns:a="http://schemas.openxmlformats.org/drawingml/2006/main" xmlns:r="http://schemas.openxmlformats.org/officeDocument/2006/relationships" xmlns:p="http://schemas.openxmlformats.org/presentationml/2006/main">
   <p:cSld>
+    <p:bg>
+      <p:bgPr>
+        <a:solidFill>
+          <a:srgbClr val="DCDCDC"/>
+        </a:solidFill>
+        <a:effectLst/>
+      </p:bgPr>
+    </p:bg>
     <p:spTree>
       <p:nvGrpSpPr>
         <p:cNvPr id="1" name=""/>
@@ -3433,65 +3579,311 @@
       </p:grpSpPr>
       <p:sp>
         <p:nvSpPr>
+          <p:cNvPr id="5" name="Rechthoek: afgeronde hoeken 4">
+            <a:extLst>
+              <a:ext uri="{FF2B5EF4-FFF2-40B4-BE49-F238E27FC236}">
+                <a16:creationId xmlns:a16="http://schemas.microsoft.com/office/drawing/2014/main" id="{1CE9AB6A-4EC7-8687-91B4-B714FD0EB3C7}"/>
+              </a:ext>
+            </a:extLst>
+          </p:cNvPr>
+          <p:cNvSpPr/>
+          <p:nvPr/>
+        </p:nvSpPr>
+        <p:spPr>
+          <a:xfrm>
+            <a:off x="405711" y="717215"/>
+            <a:ext cx="11481489" cy="5935512"/>
+          </a:xfrm>
+          <a:prstGeom prst="roundRect">
+            <a:avLst>
+              <a:gd name="adj" fmla="val 1406"/>
+            </a:avLst>
+          </a:prstGeom>
+          <a:solidFill>
+            <a:schemeClr val="bg1"/>
+          </a:solidFill>
+          <a:ln>
+            <a:noFill/>
+          </a:ln>
+          <a:effectLst>
+            <a:outerShdw blurRad="50800" dist="50800" dir="5580000" algn="ctr" rotWithShape="0">
+              <a:srgbClr val="000000">
+                <a:alpha val="4000"/>
+              </a:srgbClr>
+            </a:outerShdw>
+            <a:softEdge rad="0"/>
+          </a:effectLst>
+        </p:spPr>
+        <p:style>
+          <a:lnRef idx="2">
+            <a:schemeClr val="accent1">
+              <a:shade val="50000"/>
+            </a:schemeClr>
+          </a:lnRef>
+          <a:fillRef idx="1">
+            <a:schemeClr val="accent1"/>
+          </a:fillRef>
+          <a:effectRef idx="0">
+            <a:schemeClr val="accent1"/>
+          </a:effectRef>
+          <a:fontRef idx="minor">
+            <a:schemeClr val="lt1"/>
+          </a:fontRef>
+        </p:style>
+        <p:txBody>
+          <a:bodyPr rtlCol="0" anchor="ctr"/>
+          <a:lstStyle/>
+          <a:p>
+            <a:pPr algn="ctr"/>
+            <a:endParaRPr lang="nl-BE" dirty="0"/>
+          </a:p>
+        </p:txBody>
+      </p:sp>
+      <p:sp>
+        <p:nvSpPr>
           <p:cNvPr id="2" name="Titel 1">
             <a:extLst>
               <a:ext uri="{FF2B5EF4-FFF2-40B4-BE49-F238E27FC236}">
-                <a16:creationId xmlns:a16="http://schemas.microsoft.com/office/drawing/2014/main" id="{C8B4AA65-E3AF-B776-5075-66A5F078536E}"/>
-              </a:ext>
-            </a:extLst>
-          </p:cNvPr>
-          <p:cNvSpPr>
-            <a:spLocks noGrp="1"/>
-          </p:cNvSpPr>
-          <p:nvPr>
-            <p:ph type="title"/>
-          </p:nvPr>
-        </p:nvSpPr>
-        <p:spPr/>
-        <p:txBody>
-          <a:bodyPr/>
-          <a:lstStyle/>
-          <a:p>
+                <a16:creationId xmlns:a16="http://schemas.microsoft.com/office/drawing/2014/main" id="{2092D7C0-CA06-401A-F05D-1970082E0F21}"/>
+              </a:ext>
+            </a:extLst>
+          </p:cNvPr>
+          <p:cNvSpPr>
+            <a:spLocks noGrp="1"/>
+          </p:cNvSpPr>
+          <p:nvPr>
+            <p:ph type="ctrTitle"/>
+          </p:nvPr>
+        </p:nvSpPr>
+        <p:spPr>
+          <a:xfrm>
+            <a:off x="3489649" y="838042"/>
+            <a:ext cx="5656607" cy="745000"/>
+          </a:xfrm>
+        </p:spPr>
+        <p:txBody>
+          <a:bodyPr>
+            <a:normAutofit/>
+          </a:bodyPr>
+          <a:lstStyle/>
+          <a:p>
+            <a:r>
+              <a:rPr lang="nl-BE" sz="4400" dirty="0"/>
+              <a:t>User </a:t>
+            </a:r>
+            <a:r>
+              <a:rPr lang="nl-BE" sz="4400" dirty="0" err="1"/>
+              <a:t>Experience</a:t>
+            </a:r>
+            <a:endParaRPr lang="nl-BE" sz="4400" dirty="0"/>
+          </a:p>
+        </p:txBody>
+      </p:sp>
+      <p:sp>
+        <p:nvSpPr>
+          <p:cNvPr id="4" name="Rechthoek 3">
+            <a:extLst>
+              <a:ext uri="{FF2B5EF4-FFF2-40B4-BE49-F238E27FC236}">
+                <a16:creationId xmlns:a16="http://schemas.microsoft.com/office/drawing/2014/main" id="{E42C05AB-2C12-60A5-02EF-DFED022A483C}"/>
+              </a:ext>
+            </a:extLst>
+          </p:cNvPr>
+          <p:cNvSpPr/>
+          <p:nvPr/>
+        </p:nvSpPr>
+        <p:spPr>
+          <a:xfrm>
+            <a:off x="-235390" y="-99588"/>
+            <a:ext cx="12593370" cy="633742"/>
+          </a:xfrm>
+          <a:prstGeom prst="rect">
+            <a:avLst/>
+          </a:prstGeom>
+          <a:solidFill>
+            <a:srgbClr val="234671"/>
+          </a:solidFill>
+        </p:spPr>
+        <p:style>
+          <a:lnRef idx="2">
+            <a:schemeClr val="accent1">
+              <a:shade val="50000"/>
+            </a:schemeClr>
+          </a:lnRef>
+          <a:fillRef idx="1">
+            <a:schemeClr val="accent1"/>
+          </a:fillRef>
+          <a:effectRef idx="0">
+            <a:schemeClr val="accent1"/>
+          </a:effectRef>
+          <a:fontRef idx="minor">
+            <a:schemeClr val="lt1"/>
+          </a:fontRef>
+        </p:style>
+        <p:txBody>
+          <a:bodyPr rtlCol="0" anchor="ctr"/>
+          <a:lstStyle/>
+          <a:p>
+            <a:pPr algn="ctr"/>
+            <a:endParaRPr lang="nl-BE"/>
+          </a:p>
+        </p:txBody>
+      </p:sp>
+      <p:cxnSp>
+        <p:nvCxnSpPr>
+          <p:cNvPr id="9" name="Rechte verbindingslijn 8">
+            <a:extLst>
+              <a:ext uri="{FF2B5EF4-FFF2-40B4-BE49-F238E27FC236}">
+                <a16:creationId xmlns:a16="http://schemas.microsoft.com/office/drawing/2014/main" id="{DE1EAD4C-2E48-46D8-40AD-62217AEB0C74}"/>
+              </a:ext>
+            </a:extLst>
+          </p:cNvPr>
+          <p:cNvCxnSpPr/>
+          <p:nvPr/>
+        </p:nvCxnSpPr>
+        <p:spPr>
+          <a:xfrm>
+            <a:off x="5178490" y="1651518"/>
+            <a:ext cx="1978090" cy="0"/>
+          </a:xfrm>
+          <a:prstGeom prst="line">
+            <a:avLst/>
+          </a:prstGeom>
+        </p:spPr>
+        <p:style>
+          <a:lnRef idx="1">
+            <a:schemeClr val="dk1"/>
+          </a:lnRef>
+          <a:fillRef idx="0">
+            <a:schemeClr val="dk1"/>
+          </a:fillRef>
+          <a:effectRef idx="0">
+            <a:schemeClr val="dk1"/>
+          </a:effectRef>
+          <a:fontRef idx="minor">
+            <a:schemeClr val="tx1"/>
+          </a:fontRef>
+        </p:style>
+      </p:cxnSp>
+      <p:sp>
+        <p:nvSpPr>
+          <p:cNvPr id="10" name="Tekstvak 9">
+            <a:extLst>
+              <a:ext uri="{FF2B5EF4-FFF2-40B4-BE49-F238E27FC236}">
+                <a16:creationId xmlns:a16="http://schemas.microsoft.com/office/drawing/2014/main" id="{FB75F23D-17DF-DE51-DE81-7B917D13F4EF}"/>
+              </a:ext>
+            </a:extLst>
+          </p:cNvPr>
+          <p:cNvSpPr txBox="1"/>
+          <p:nvPr/>
+        </p:nvSpPr>
+        <p:spPr>
+          <a:xfrm>
+            <a:off x="522514" y="1651518"/>
+            <a:ext cx="11263775" cy="1200329"/>
+          </a:xfrm>
+          <a:prstGeom prst="rect">
+            <a:avLst/>
+          </a:prstGeom>
+          <a:noFill/>
+        </p:spPr>
+        <p:txBody>
+          <a:bodyPr wrap="square" rtlCol="0">
+            <a:spAutoFit/>
+          </a:bodyPr>
+          <a:lstStyle/>
+          <a:p>
+            <a:r>
+              <a:rPr lang="nl-BE" dirty="0"/>
+              <a:t>C(</a:t>
+            </a:r>
             <a:r>
               <a:rPr lang="nl-BE" dirty="0" err="1"/>
-              <a:t>Usability</a:t>
+              <a:t>ontrast</a:t>
             </a:r>
             <a:r>
               <a:rPr lang="nl-BE" dirty="0"/>
-              <a:t> Verslagen</a:t>
-            </a:r>
-          </a:p>
-        </p:txBody>
-      </p:sp>
-      <p:sp>
-        <p:nvSpPr>
-          <p:cNvPr id="3" name="Tijdelijke aanduiding voor inhoud 2">
-            <a:extLst>
-              <a:ext uri="{FF2B5EF4-FFF2-40B4-BE49-F238E27FC236}">
-                <a16:creationId xmlns:a16="http://schemas.microsoft.com/office/drawing/2014/main" id="{4BEB78B6-E2DD-AC8D-BD6B-A3593889BC71}"/>
-              </a:ext>
-            </a:extLst>
-          </p:cNvPr>
-          <p:cNvSpPr>
-            <a:spLocks noGrp="1"/>
-          </p:cNvSpPr>
-          <p:nvPr>
-            <p:ph idx="1"/>
-          </p:nvPr>
-        </p:nvSpPr>
-        <p:spPr/>
-        <p:txBody>
-          <a:bodyPr/>
-          <a:lstStyle/>
-          <a:p>
-            <a:endParaRPr lang="nl-BE"/>
-          </a:p>
-        </p:txBody>
-      </p:sp>
+              <a:t>)</a:t>
+            </a:r>
+            <a:br>
+              <a:rPr lang="nl-BE" dirty="0"/>
+            </a:br>
+            <a:r>
+              <a:rPr lang="nl-BE" dirty="0"/>
+              <a:t>R(</a:t>
+            </a:r>
+            <a:r>
+              <a:rPr lang="nl-BE" dirty="0" err="1"/>
+              <a:t>epetition</a:t>
+            </a:r>
+            <a:r>
+              <a:rPr lang="nl-BE" dirty="0"/>
+              <a:t>)</a:t>
+            </a:r>
+          </a:p>
+          <a:p>
+            <a:r>
+              <a:rPr lang="nl-BE" dirty="0"/>
+              <a:t>A(</a:t>
+            </a:r>
+            <a:r>
+              <a:rPr lang="nl-BE" dirty="0" err="1"/>
+              <a:t>lignment</a:t>
+            </a:r>
+            <a:r>
+              <a:rPr lang="nl-BE" dirty="0"/>
+              <a:t>)</a:t>
+            </a:r>
+          </a:p>
+          <a:p>
+            <a:r>
+              <a:rPr lang="nl-BE" dirty="0"/>
+              <a:t>P(</a:t>
+            </a:r>
+            <a:r>
+              <a:rPr lang="nl-BE" dirty="0" err="1"/>
+              <a:t>roximity</a:t>
+            </a:r>
+            <a:r>
+              <a:rPr lang="nl-BE" dirty="0"/>
+              <a:t>)</a:t>
+            </a:r>
+          </a:p>
+        </p:txBody>
+      </p:sp>
+      <p:pic>
+        <p:nvPicPr>
+          <p:cNvPr id="6" name="Afbeelding 5">
+            <a:extLst>
+              <a:ext uri="{FF2B5EF4-FFF2-40B4-BE49-F238E27FC236}">
+                <a16:creationId xmlns:a16="http://schemas.microsoft.com/office/drawing/2014/main" id="{3E4F7C69-3784-E374-3476-5D7830010AFC}"/>
+              </a:ext>
+            </a:extLst>
+          </p:cNvPr>
+          <p:cNvPicPr>
+            <a:picLocks noChangeAspect="1"/>
+          </p:cNvPicPr>
+          <p:nvPr/>
+        </p:nvPicPr>
+        <p:blipFill>
+          <a:blip r:embed="rId2"/>
+          <a:stretch>
+            <a:fillRect/>
+          </a:stretch>
+        </p:blipFill>
+        <p:spPr>
+          <a:xfrm>
+            <a:off x="1999368" y="1703867"/>
+            <a:ext cx="9591936" cy="4687599"/>
+          </a:xfrm>
+          <a:prstGeom prst="rect">
+            <a:avLst/>
+          </a:prstGeom>
+        </p:spPr>
+      </p:pic>
     </p:spTree>
     <p:extLst>
       <p:ext uri="{BB962C8B-B14F-4D97-AF65-F5344CB8AC3E}">
-        <p14:creationId xmlns:p14="http://schemas.microsoft.com/office/powerpoint/2010/main" val="21717068"/>
+        <p14:creationId xmlns:p14="http://schemas.microsoft.com/office/powerpoint/2010/main" val="220766871"/>
       </p:ext>
     </p:extLst>
   </p:cSld>
@@ -3504,6 +3896,14 @@
 <file path=ppt/slides/slide3.xml><?xml version="1.0" encoding="utf-8"?>
 <p:sld xmlns:a="http://schemas.openxmlformats.org/drawingml/2006/main" xmlns:r="http://schemas.openxmlformats.org/officeDocument/2006/relationships" xmlns:p="http://schemas.openxmlformats.org/presentationml/2006/main">
   <p:cSld>
+    <p:bg>
+      <p:bgPr>
+        <a:solidFill>
+          <a:srgbClr val="DCDCDC"/>
+        </a:solidFill>
+        <a:effectLst/>
+      </p:bgPr>
+    </p:bg>
     <p:spTree>
       <p:nvGrpSpPr>
         <p:cNvPr id="1" name=""/>
@@ -3520,68 +3920,390 @@
       </p:grpSpPr>
       <p:sp>
         <p:nvSpPr>
+          <p:cNvPr id="5" name="Rechthoek: afgeronde hoeken 4">
+            <a:extLst>
+              <a:ext uri="{FF2B5EF4-FFF2-40B4-BE49-F238E27FC236}">
+                <a16:creationId xmlns:a16="http://schemas.microsoft.com/office/drawing/2014/main" id="{1CE9AB6A-4EC7-8687-91B4-B714FD0EB3C7}"/>
+              </a:ext>
+            </a:extLst>
+          </p:cNvPr>
+          <p:cNvSpPr/>
+          <p:nvPr/>
+        </p:nvSpPr>
+        <p:spPr>
+          <a:xfrm>
+            <a:off x="405711" y="717215"/>
+            <a:ext cx="11481489" cy="5935512"/>
+          </a:xfrm>
+          <a:prstGeom prst="roundRect">
+            <a:avLst>
+              <a:gd name="adj" fmla="val 1406"/>
+            </a:avLst>
+          </a:prstGeom>
+          <a:solidFill>
+            <a:schemeClr val="bg1"/>
+          </a:solidFill>
+          <a:ln>
+            <a:noFill/>
+          </a:ln>
+          <a:effectLst>
+            <a:outerShdw blurRad="50800" dist="50800" dir="5580000" algn="ctr" rotWithShape="0">
+              <a:srgbClr val="000000">
+                <a:alpha val="4000"/>
+              </a:srgbClr>
+            </a:outerShdw>
+            <a:softEdge rad="0"/>
+          </a:effectLst>
+        </p:spPr>
+        <p:style>
+          <a:lnRef idx="2">
+            <a:schemeClr val="accent1">
+              <a:shade val="50000"/>
+            </a:schemeClr>
+          </a:lnRef>
+          <a:fillRef idx="1">
+            <a:schemeClr val="accent1"/>
+          </a:fillRef>
+          <a:effectRef idx="0">
+            <a:schemeClr val="accent1"/>
+          </a:effectRef>
+          <a:fontRef idx="minor">
+            <a:schemeClr val="lt1"/>
+          </a:fontRef>
+        </p:style>
+        <p:txBody>
+          <a:bodyPr rtlCol="0" anchor="ctr"/>
+          <a:lstStyle/>
+          <a:p>
+            <a:pPr algn="ctr"/>
+            <a:endParaRPr lang="nl-BE" dirty="0"/>
+          </a:p>
+        </p:txBody>
+      </p:sp>
+      <p:sp>
+        <p:nvSpPr>
           <p:cNvPr id="2" name="Titel 1">
             <a:extLst>
               <a:ext uri="{FF2B5EF4-FFF2-40B4-BE49-F238E27FC236}">
-                <a16:creationId xmlns:a16="http://schemas.microsoft.com/office/drawing/2014/main" id="{67906690-A21C-ABE1-94B7-C56682E1844F}"/>
-              </a:ext>
-            </a:extLst>
-          </p:cNvPr>
-          <p:cNvSpPr>
-            <a:spLocks noGrp="1"/>
-          </p:cNvSpPr>
-          <p:nvPr>
-            <p:ph type="title"/>
-          </p:nvPr>
-        </p:nvSpPr>
-        <p:spPr/>
-        <p:txBody>
-          <a:bodyPr/>
-          <a:lstStyle/>
-          <a:p>
-            <a:r>
-              <a:rPr lang="nl-BE" dirty="0" err="1"/>
-              <a:t>Wireframes</a:t>
-            </a:r>
+                <a16:creationId xmlns:a16="http://schemas.microsoft.com/office/drawing/2014/main" id="{2092D7C0-CA06-401A-F05D-1970082E0F21}"/>
+              </a:ext>
+            </a:extLst>
+          </p:cNvPr>
+          <p:cNvSpPr>
+            <a:spLocks noGrp="1"/>
+          </p:cNvSpPr>
+          <p:nvPr>
+            <p:ph type="ctrTitle"/>
+          </p:nvPr>
+        </p:nvSpPr>
+        <p:spPr>
+          <a:xfrm>
+            <a:off x="3489649" y="838042"/>
+            <a:ext cx="5656607" cy="745000"/>
+          </a:xfrm>
+        </p:spPr>
+        <p:txBody>
+          <a:bodyPr>
+            <a:normAutofit/>
+          </a:bodyPr>
+          <a:lstStyle/>
+          <a:p>
+            <a:r>
+              <a:rPr lang="nl-BE" sz="4400" dirty="0" err="1"/>
+              <a:t>Wire</a:t>
+            </a:r>
+            <a:r>
+              <a:rPr lang="nl-BE" sz="4400" dirty="0"/>
+              <a:t> Frames</a:t>
+            </a:r>
+          </a:p>
+        </p:txBody>
+      </p:sp>
+      <p:sp>
+        <p:nvSpPr>
+          <p:cNvPr id="4" name="Rechthoek 3">
+            <a:extLst>
+              <a:ext uri="{FF2B5EF4-FFF2-40B4-BE49-F238E27FC236}">
+                <a16:creationId xmlns:a16="http://schemas.microsoft.com/office/drawing/2014/main" id="{E42C05AB-2C12-60A5-02EF-DFED022A483C}"/>
+              </a:ext>
+            </a:extLst>
+          </p:cNvPr>
+          <p:cNvSpPr/>
+          <p:nvPr/>
+        </p:nvSpPr>
+        <p:spPr>
+          <a:xfrm>
+            <a:off x="-235390" y="-99588"/>
+            <a:ext cx="12593370" cy="633742"/>
+          </a:xfrm>
+          <a:prstGeom prst="rect">
+            <a:avLst/>
+          </a:prstGeom>
+          <a:solidFill>
+            <a:srgbClr val="234671"/>
+          </a:solidFill>
+        </p:spPr>
+        <p:style>
+          <a:lnRef idx="2">
+            <a:schemeClr val="accent1">
+              <a:shade val="50000"/>
+            </a:schemeClr>
+          </a:lnRef>
+          <a:fillRef idx="1">
+            <a:schemeClr val="accent1"/>
+          </a:fillRef>
+          <a:effectRef idx="0">
+            <a:schemeClr val="accent1"/>
+          </a:effectRef>
+          <a:fontRef idx="minor">
+            <a:schemeClr val="lt1"/>
+          </a:fontRef>
+        </p:style>
+        <p:txBody>
+          <a:bodyPr rtlCol="0" anchor="ctr"/>
+          <a:lstStyle/>
+          <a:p>
+            <a:pPr algn="ctr"/>
+            <a:endParaRPr lang="nl-BE"/>
+          </a:p>
+        </p:txBody>
+      </p:sp>
+      <p:cxnSp>
+        <p:nvCxnSpPr>
+          <p:cNvPr id="9" name="Rechte verbindingslijn 8">
+            <a:extLst>
+              <a:ext uri="{FF2B5EF4-FFF2-40B4-BE49-F238E27FC236}">
+                <a16:creationId xmlns:a16="http://schemas.microsoft.com/office/drawing/2014/main" id="{DE1EAD4C-2E48-46D8-40AD-62217AEB0C74}"/>
+              </a:ext>
+            </a:extLst>
+          </p:cNvPr>
+          <p:cNvCxnSpPr/>
+          <p:nvPr/>
+        </p:nvCxnSpPr>
+        <p:spPr>
+          <a:xfrm>
+            <a:off x="5178490" y="1651518"/>
+            <a:ext cx="1978090" cy="0"/>
+          </a:xfrm>
+          <a:prstGeom prst="line">
+            <a:avLst/>
+          </a:prstGeom>
+        </p:spPr>
+        <p:style>
+          <a:lnRef idx="1">
+            <a:schemeClr val="dk1"/>
+          </a:lnRef>
+          <a:fillRef idx="0">
+            <a:schemeClr val="dk1"/>
+          </a:fillRef>
+          <a:effectRef idx="0">
+            <a:schemeClr val="dk1"/>
+          </a:effectRef>
+          <a:fontRef idx="minor">
+            <a:schemeClr val="tx1"/>
+          </a:fontRef>
+        </p:style>
+      </p:cxnSp>
+      <p:sp>
+        <p:nvSpPr>
+          <p:cNvPr id="10" name="Tekstvak 9">
+            <a:extLst>
+              <a:ext uri="{FF2B5EF4-FFF2-40B4-BE49-F238E27FC236}">
+                <a16:creationId xmlns:a16="http://schemas.microsoft.com/office/drawing/2014/main" id="{FB75F23D-17DF-DE51-DE81-7B917D13F4EF}"/>
+              </a:ext>
+            </a:extLst>
+          </p:cNvPr>
+          <p:cNvSpPr txBox="1"/>
+          <p:nvPr/>
+        </p:nvSpPr>
+        <p:spPr>
+          <a:xfrm>
+            <a:off x="522514" y="1651518"/>
+            <a:ext cx="11263775" cy="369332"/>
+          </a:xfrm>
+          <a:prstGeom prst="rect">
+            <a:avLst/>
+          </a:prstGeom>
+          <a:noFill/>
+        </p:spPr>
+        <p:txBody>
+          <a:bodyPr wrap="square" rtlCol="0">
+            <a:spAutoFit/>
+          </a:bodyPr>
+          <a:lstStyle/>
+          <a:p>
             <a:r>
               <a:rPr lang="nl-BE" dirty="0"/>
-              <a:t> </a:t>
-            </a:r>
-          </a:p>
-        </p:txBody>
-      </p:sp>
-      <p:sp>
-        <p:nvSpPr>
-          <p:cNvPr id="3" name="Tijdelijke aanduiding voor inhoud 2">
-            <a:extLst>
-              <a:ext uri="{FF2B5EF4-FFF2-40B4-BE49-F238E27FC236}">
-                <a16:creationId xmlns:a16="http://schemas.microsoft.com/office/drawing/2014/main" id="{D0B0AC22-F0A1-C1F0-F168-4DFBD49CB309}"/>
-              </a:ext>
-            </a:extLst>
-          </p:cNvPr>
-          <p:cNvSpPr>
-            <a:spLocks noGrp="1"/>
-          </p:cNvSpPr>
-          <p:nvPr>
-            <p:ph idx="1"/>
-          </p:nvPr>
-        </p:nvSpPr>
-        <p:spPr/>
-        <p:txBody>
-          <a:bodyPr/>
-          <a:lstStyle/>
-          <a:p>
-            <a:r>
-              <a:rPr lang="nl-BE" dirty="0"/>
-              <a:t>Mobile first</a:t>
-            </a:r>
-          </a:p>
-        </p:txBody>
-      </p:sp>
+              <a:t>Mobile First</a:t>
+            </a:r>
+          </a:p>
+        </p:txBody>
+      </p:sp>
+      <p:pic>
+        <p:nvPicPr>
+          <p:cNvPr id="8" name="Afbeelding 7">
+            <a:extLst>
+              <a:ext uri="{FF2B5EF4-FFF2-40B4-BE49-F238E27FC236}">
+                <a16:creationId xmlns:a16="http://schemas.microsoft.com/office/drawing/2014/main" id="{4E2E2E29-6D36-573D-5615-603468DAF009}"/>
+              </a:ext>
+            </a:extLst>
+          </p:cNvPr>
+          <p:cNvPicPr>
+            <a:picLocks noChangeAspect="1"/>
+          </p:cNvPicPr>
+          <p:nvPr/>
+        </p:nvPicPr>
+        <p:blipFill>
+          <a:blip r:embed="rId2">
+            <a:extLst>
+              <a:ext uri="{28A0092B-C50C-407E-A947-70E740481C1C}">
+                <a14:useLocalDpi xmlns:a14="http://schemas.microsoft.com/office/drawing/2010/main" val="0"/>
+              </a:ext>
+            </a:extLst>
+          </a:blip>
+          <a:stretch>
+            <a:fillRect/>
+          </a:stretch>
+        </p:blipFill>
+        <p:spPr>
+          <a:xfrm>
+            <a:off x="5353563" y="2371800"/>
+            <a:ext cx="4804822" cy="4412728"/>
+          </a:xfrm>
+          <a:prstGeom prst="rect">
+            <a:avLst/>
+          </a:prstGeom>
+        </p:spPr>
+      </p:pic>
+      <p:pic>
+        <p:nvPicPr>
+          <p:cNvPr id="1026" name="Picture 2" descr="Mobile Phone Mockup Images | Free PSD, Vector &amp; PNG Device Mockups -  rawpixel">
+            <a:extLst>
+              <a:ext uri="{FF2B5EF4-FFF2-40B4-BE49-F238E27FC236}">
+                <a16:creationId xmlns:a16="http://schemas.microsoft.com/office/drawing/2014/main" id="{A643D958-FE8F-657F-B35D-2AB0E2CFCBFE}"/>
+              </a:ext>
+            </a:extLst>
+          </p:cNvPr>
+          <p:cNvPicPr>
+            <a:picLocks noChangeAspect="1" noChangeArrowheads="1"/>
+          </p:cNvPicPr>
+          <p:nvPr/>
+        </p:nvPicPr>
+        <p:blipFill rotWithShape="1">
+          <a:blip r:embed="rId3">
+            <a:extLst>
+              <a:ext uri="{28A0092B-C50C-407E-A947-70E740481C1C}">
+                <a14:useLocalDpi xmlns:a14="http://schemas.microsoft.com/office/drawing/2010/main" val="0"/>
+              </a:ext>
+            </a:extLst>
+          </a:blip>
+          <a:srcRect l="20853" t="10048" r="20260" b="10447"/>
+          <a:stretch/>
+        </p:blipFill>
+        <p:spPr bwMode="auto">
+          <a:xfrm>
+            <a:off x="2033615" y="1897525"/>
+            <a:ext cx="2206262" cy="4468240"/>
+          </a:xfrm>
+          <a:prstGeom prst="rect">
+            <a:avLst/>
+          </a:prstGeom>
+          <a:noFill/>
+          <a:extLst>
+            <a:ext uri="{909E8E84-426E-40DD-AFC4-6F175D3DCCD1}">
+              <a14:hiddenFill xmlns:a14="http://schemas.microsoft.com/office/drawing/2010/main">
+                <a:solidFill>
+                  <a:srgbClr val="FFFFFF"/>
+                </a:solidFill>
+              </a14:hiddenFill>
+            </a:ext>
+          </a:extLst>
+        </p:spPr>
+      </p:pic>
+      <p:pic>
+        <p:nvPicPr>
+          <p:cNvPr id="1034" name="Picture 10" descr="Free Desktop computer mockup cutout, Png file 8530058 PNG with Transparent  Background">
+            <a:extLst>
+              <a:ext uri="{FF2B5EF4-FFF2-40B4-BE49-F238E27FC236}">
+                <a16:creationId xmlns:a16="http://schemas.microsoft.com/office/drawing/2014/main" id="{AACB767B-3707-8389-D35D-B03CB7AE1D4F}"/>
+              </a:ext>
+            </a:extLst>
+          </p:cNvPr>
+          <p:cNvPicPr>
+            <a:picLocks noChangeAspect="1" noChangeArrowheads="1"/>
+          </p:cNvPicPr>
+          <p:nvPr/>
+        </p:nvPicPr>
+        <p:blipFill rotWithShape="1">
+          <a:blip r:embed="rId4">
+            <a:extLst>
+              <a:ext uri="{28A0092B-C50C-407E-A947-70E740481C1C}">
+                <a14:useLocalDpi xmlns:a14="http://schemas.microsoft.com/office/drawing/2010/main" val="0"/>
+              </a:ext>
+            </a:extLst>
+          </a:blip>
+          <a:srcRect l="7191" t="5929" r="5932" b="17616"/>
+          <a:stretch/>
+        </p:blipFill>
+        <p:spPr bwMode="auto">
+          <a:xfrm>
+            <a:off x="4625332" y="1897525"/>
+            <a:ext cx="6284141" cy="4605911"/>
+          </a:xfrm>
+          <a:prstGeom prst="rect">
+            <a:avLst/>
+          </a:prstGeom>
+          <a:noFill/>
+          <a:extLst>
+            <a:ext uri="{909E8E84-426E-40DD-AFC4-6F175D3DCCD1}">
+              <a14:hiddenFill xmlns:a14="http://schemas.microsoft.com/office/drawing/2010/main">
+                <a:solidFill>
+                  <a:srgbClr val="FFFFFF"/>
+                </a:solidFill>
+              </a14:hiddenFill>
+            </a:ext>
+          </a:extLst>
+        </p:spPr>
+      </p:pic>
+      <p:pic>
+        <p:nvPicPr>
+          <p:cNvPr id="13" name="Afbeelding 12">
+            <a:extLst>
+              <a:ext uri="{FF2B5EF4-FFF2-40B4-BE49-F238E27FC236}">
+                <a16:creationId xmlns:a16="http://schemas.microsoft.com/office/drawing/2014/main" id="{FA77D79F-9375-D1B9-9527-FD7E83C6B23A}"/>
+              </a:ext>
+            </a:extLst>
+          </p:cNvPr>
+          <p:cNvPicPr>
+            <a:picLocks noChangeAspect="1"/>
+          </p:cNvPicPr>
+          <p:nvPr/>
+        </p:nvPicPr>
+        <p:blipFill rotWithShape="1">
+          <a:blip r:embed="rId5">
+            <a:extLst>
+              <a:ext uri="{28A0092B-C50C-407E-A947-70E740481C1C}">
+                <a14:useLocalDpi xmlns:a14="http://schemas.microsoft.com/office/drawing/2010/main" val="0"/>
+              </a:ext>
+            </a:extLst>
+          </a:blip>
+          <a:srcRect l="4818" r="8423"/>
+          <a:stretch/>
+        </p:blipFill>
+        <p:spPr>
+          <a:xfrm>
+            <a:off x="2124374" y="2175236"/>
+            <a:ext cx="1978637" cy="3965549"/>
+          </a:xfrm>
+          <a:prstGeom prst="rect">
+            <a:avLst/>
+          </a:prstGeom>
+        </p:spPr>
+      </p:pic>
     </p:spTree>
     <p:extLst>
       <p:ext uri="{BB962C8B-B14F-4D97-AF65-F5344CB8AC3E}">
-        <p14:creationId xmlns:p14="http://schemas.microsoft.com/office/powerpoint/2010/main" val="1936076443"/>
+        <p14:creationId xmlns:p14="http://schemas.microsoft.com/office/powerpoint/2010/main" val="2654439768"/>
       </p:ext>
     </p:extLst>
   </p:cSld>
@@ -3594,6 +4316,14 @@
 <file path=ppt/slides/slide4.xml><?xml version="1.0" encoding="utf-8"?>
 <p:sld xmlns:a="http://schemas.openxmlformats.org/drawingml/2006/main" xmlns:r="http://schemas.openxmlformats.org/officeDocument/2006/relationships" xmlns:p="http://schemas.openxmlformats.org/presentationml/2006/main">
   <p:cSld>
+    <p:bg>
+      <p:bgPr>
+        <a:solidFill>
+          <a:srgbClr val="DCDCDC"/>
+        </a:solidFill>
+        <a:effectLst/>
+      </p:bgPr>
+    </p:bg>
     <p:spTree>
       <p:nvGrpSpPr>
         <p:cNvPr id="1" name=""/>
@@ -3610,61 +4340,1397 @@
       </p:grpSpPr>
       <p:sp>
         <p:nvSpPr>
+          <p:cNvPr id="5" name="Rechthoek: afgeronde hoeken 4">
+            <a:extLst>
+              <a:ext uri="{FF2B5EF4-FFF2-40B4-BE49-F238E27FC236}">
+                <a16:creationId xmlns:a16="http://schemas.microsoft.com/office/drawing/2014/main" id="{1CE9AB6A-4EC7-8687-91B4-B714FD0EB3C7}"/>
+              </a:ext>
+            </a:extLst>
+          </p:cNvPr>
+          <p:cNvSpPr/>
+          <p:nvPr/>
+        </p:nvSpPr>
+        <p:spPr>
+          <a:xfrm>
+            <a:off x="405711" y="717215"/>
+            <a:ext cx="11481489" cy="5935512"/>
+          </a:xfrm>
+          <a:prstGeom prst="roundRect">
+            <a:avLst>
+              <a:gd name="adj" fmla="val 1406"/>
+            </a:avLst>
+          </a:prstGeom>
+          <a:solidFill>
+            <a:schemeClr val="bg1"/>
+          </a:solidFill>
+          <a:ln>
+            <a:noFill/>
+          </a:ln>
+          <a:effectLst>
+            <a:outerShdw blurRad="50800" dist="50800" dir="5580000" algn="ctr" rotWithShape="0">
+              <a:srgbClr val="000000">
+                <a:alpha val="4000"/>
+              </a:srgbClr>
+            </a:outerShdw>
+            <a:softEdge rad="0"/>
+          </a:effectLst>
+        </p:spPr>
+        <p:style>
+          <a:lnRef idx="2">
+            <a:schemeClr val="accent1">
+              <a:shade val="50000"/>
+            </a:schemeClr>
+          </a:lnRef>
+          <a:fillRef idx="1">
+            <a:schemeClr val="accent1"/>
+          </a:fillRef>
+          <a:effectRef idx="0">
+            <a:schemeClr val="accent1"/>
+          </a:effectRef>
+          <a:fontRef idx="minor">
+            <a:schemeClr val="lt1"/>
+          </a:fontRef>
+        </p:style>
+        <p:txBody>
+          <a:bodyPr rtlCol="0" anchor="ctr"/>
+          <a:lstStyle/>
+          <a:p>
+            <a:pPr algn="ctr"/>
+            <a:endParaRPr lang="nl-BE" dirty="0"/>
+          </a:p>
+        </p:txBody>
+      </p:sp>
+      <p:sp>
+        <p:nvSpPr>
           <p:cNvPr id="2" name="Titel 1">
             <a:extLst>
               <a:ext uri="{FF2B5EF4-FFF2-40B4-BE49-F238E27FC236}">
-                <a16:creationId xmlns:a16="http://schemas.microsoft.com/office/drawing/2014/main" id="{D753E390-F332-7A72-3CFF-D5AE4FB2316D}"/>
-              </a:ext>
-            </a:extLst>
-          </p:cNvPr>
-          <p:cNvSpPr>
-            <a:spLocks noGrp="1"/>
-          </p:cNvSpPr>
-          <p:nvPr>
-            <p:ph type="title"/>
-          </p:nvPr>
-        </p:nvSpPr>
-        <p:spPr/>
-        <p:txBody>
-          <a:bodyPr/>
+                <a16:creationId xmlns:a16="http://schemas.microsoft.com/office/drawing/2014/main" id="{2092D7C0-CA06-401A-F05D-1970082E0F21}"/>
+              </a:ext>
+            </a:extLst>
+          </p:cNvPr>
+          <p:cNvSpPr>
+            <a:spLocks noGrp="1"/>
+          </p:cNvSpPr>
+          <p:nvPr>
+            <p:ph type="ctrTitle"/>
+          </p:nvPr>
+        </p:nvSpPr>
+        <p:spPr>
+          <a:xfrm>
+            <a:off x="3489649" y="838042"/>
+            <a:ext cx="5656607" cy="745000"/>
+          </a:xfrm>
+        </p:spPr>
+        <p:txBody>
+          <a:bodyPr>
+            <a:normAutofit/>
+          </a:bodyPr>
+          <a:lstStyle/>
+          <a:p>
+            <a:r>
+              <a:rPr lang="nl-BE" sz="4400" dirty="0" err="1"/>
+              <a:t>Wire</a:t>
+            </a:r>
+            <a:r>
+              <a:rPr lang="nl-BE" sz="4400" dirty="0"/>
+              <a:t> Frames</a:t>
+            </a:r>
+          </a:p>
+        </p:txBody>
+      </p:sp>
+      <p:sp>
+        <p:nvSpPr>
+          <p:cNvPr id="4" name="Rechthoek 3">
+            <a:extLst>
+              <a:ext uri="{FF2B5EF4-FFF2-40B4-BE49-F238E27FC236}">
+                <a16:creationId xmlns:a16="http://schemas.microsoft.com/office/drawing/2014/main" id="{E42C05AB-2C12-60A5-02EF-DFED022A483C}"/>
+              </a:ext>
+            </a:extLst>
+          </p:cNvPr>
+          <p:cNvSpPr/>
+          <p:nvPr/>
+        </p:nvSpPr>
+        <p:spPr>
+          <a:xfrm>
+            <a:off x="-235390" y="-99588"/>
+            <a:ext cx="12593370" cy="633742"/>
+          </a:xfrm>
+          <a:prstGeom prst="rect">
+            <a:avLst/>
+          </a:prstGeom>
+          <a:solidFill>
+            <a:srgbClr val="234671"/>
+          </a:solidFill>
+        </p:spPr>
+        <p:style>
+          <a:lnRef idx="2">
+            <a:schemeClr val="accent1">
+              <a:shade val="50000"/>
+            </a:schemeClr>
+          </a:lnRef>
+          <a:fillRef idx="1">
+            <a:schemeClr val="accent1"/>
+          </a:fillRef>
+          <a:effectRef idx="0">
+            <a:schemeClr val="accent1"/>
+          </a:effectRef>
+          <a:fontRef idx="minor">
+            <a:schemeClr val="lt1"/>
+          </a:fontRef>
+        </p:style>
+        <p:txBody>
+          <a:bodyPr rtlCol="0" anchor="ctr"/>
+          <a:lstStyle/>
+          <a:p>
+            <a:pPr algn="ctr"/>
+            <a:endParaRPr lang="nl-BE"/>
+          </a:p>
+        </p:txBody>
+      </p:sp>
+      <p:cxnSp>
+        <p:nvCxnSpPr>
+          <p:cNvPr id="9" name="Rechte verbindingslijn 8">
+            <a:extLst>
+              <a:ext uri="{FF2B5EF4-FFF2-40B4-BE49-F238E27FC236}">
+                <a16:creationId xmlns:a16="http://schemas.microsoft.com/office/drawing/2014/main" id="{DE1EAD4C-2E48-46D8-40AD-62217AEB0C74}"/>
+              </a:ext>
+            </a:extLst>
+          </p:cNvPr>
+          <p:cNvCxnSpPr/>
+          <p:nvPr/>
+        </p:nvCxnSpPr>
+        <p:spPr>
+          <a:xfrm>
+            <a:off x="5178490" y="1651518"/>
+            <a:ext cx="1978090" cy="0"/>
+          </a:xfrm>
+          <a:prstGeom prst="line">
+            <a:avLst/>
+          </a:prstGeom>
+        </p:spPr>
+        <p:style>
+          <a:lnRef idx="1">
+            <a:schemeClr val="dk1"/>
+          </a:lnRef>
+          <a:fillRef idx="0">
+            <a:schemeClr val="dk1"/>
+          </a:fillRef>
+          <a:effectRef idx="0">
+            <a:schemeClr val="dk1"/>
+          </a:effectRef>
+          <a:fontRef idx="minor">
+            <a:schemeClr val="tx1"/>
+          </a:fontRef>
+        </p:style>
+      </p:cxnSp>
+      <p:sp>
+        <p:nvSpPr>
+          <p:cNvPr id="10" name="Tekstvak 9">
+            <a:extLst>
+              <a:ext uri="{FF2B5EF4-FFF2-40B4-BE49-F238E27FC236}">
+                <a16:creationId xmlns:a16="http://schemas.microsoft.com/office/drawing/2014/main" id="{FB75F23D-17DF-DE51-DE81-7B917D13F4EF}"/>
+              </a:ext>
+            </a:extLst>
+          </p:cNvPr>
+          <p:cNvSpPr txBox="1"/>
+          <p:nvPr/>
+        </p:nvSpPr>
+        <p:spPr>
+          <a:xfrm>
+            <a:off x="522514" y="1651518"/>
+            <a:ext cx="11263775" cy="369332"/>
+          </a:xfrm>
+          <a:prstGeom prst="rect">
+            <a:avLst/>
+          </a:prstGeom>
+          <a:noFill/>
+        </p:spPr>
+        <p:txBody>
+          <a:bodyPr wrap="square" rtlCol="0">
+            <a:spAutoFit/>
+          </a:bodyPr>
           <a:lstStyle/>
           <a:p>
             <a:r>
               <a:rPr lang="nl-BE" dirty="0"/>
-              <a:t>Demo</a:t>
-            </a:r>
-          </a:p>
-        </p:txBody>
-      </p:sp>
-      <p:sp>
-        <p:nvSpPr>
-          <p:cNvPr id="3" name="Tijdelijke aanduiding voor inhoud 2">
-            <a:extLst>
-              <a:ext uri="{FF2B5EF4-FFF2-40B4-BE49-F238E27FC236}">
-                <a16:creationId xmlns:a16="http://schemas.microsoft.com/office/drawing/2014/main" id="{6ED46D4A-72D6-75CC-52D3-FD3AA2201BEF}"/>
-              </a:ext>
-            </a:extLst>
-          </p:cNvPr>
-          <p:cNvSpPr>
-            <a:spLocks noGrp="1"/>
-          </p:cNvSpPr>
-          <p:nvPr>
-            <p:ph idx="1"/>
-          </p:nvPr>
-        </p:nvSpPr>
-        <p:spPr/>
-        <p:txBody>
-          <a:bodyPr/>
-          <a:lstStyle/>
-          <a:p>
-            <a:endParaRPr lang="nl-BE"/>
-          </a:p>
-        </p:txBody>
-      </p:sp>
+              <a:t>Mobile First</a:t>
+            </a:r>
+          </a:p>
+        </p:txBody>
+      </p:sp>
+      <p:pic>
+        <p:nvPicPr>
+          <p:cNvPr id="1026" name="Picture 2" descr="Mobile Phone Mockup Images | Free PSD, Vector &amp; PNG Device Mockups -  rawpixel">
+            <a:extLst>
+              <a:ext uri="{FF2B5EF4-FFF2-40B4-BE49-F238E27FC236}">
+                <a16:creationId xmlns:a16="http://schemas.microsoft.com/office/drawing/2014/main" id="{A643D958-FE8F-657F-B35D-2AB0E2CFCBFE}"/>
+              </a:ext>
+            </a:extLst>
+          </p:cNvPr>
+          <p:cNvPicPr>
+            <a:picLocks noChangeAspect="1" noChangeArrowheads="1"/>
+          </p:cNvPicPr>
+          <p:nvPr/>
+        </p:nvPicPr>
+        <p:blipFill rotWithShape="1">
+          <a:blip r:embed="rId2">
+            <a:extLst>
+              <a:ext uri="{28A0092B-C50C-407E-A947-70E740481C1C}">
+                <a14:useLocalDpi xmlns:a14="http://schemas.microsoft.com/office/drawing/2010/main" val="0"/>
+              </a:ext>
+            </a:extLst>
+          </a:blip>
+          <a:srcRect l="20853" t="10048" r="20260" b="10447"/>
+          <a:stretch/>
+        </p:blipFill>
+        <p:spPr bwMode="auto">
+          <a:xfrm>
+            <a:off x="2033615" y="1897525"/>
+            <a:ext cx="2206262" cy="4468240"/>
+          </a:xfrm>
+          <a:prstGeom prst="rect">
+            <a:avLst/>
+          </a:prstGeom>
+          <a:noFill/>
+          <a:extLst>
+            <a:ext uri="{909E8E84-426E-40DD-AFC4-6F175D3DCCD1}">
+              <a14:hiddenFill xmlns:a14="http://schemas.microsoft.com/office/drawing/2010/main">
+                <a:solidFill>
+                  <a:srgbClr val="FFFFFF"/>
+                </a:solidFill>
+              </a14:hiddenFill>
+            </a:ext>
+          </a:extLst>
+        </p:spPr>
+      </p:pic>
+      <p:pic>
+        <p:nvPicPr>
+          <p:cNvPr id="11" name="Afbeelding 10">
+            <a:extLst>
+              <a:ext uri="{FF2B5EF4-FFF2-40B4-BE49-F238E27FC236}">
+                <a16:creationId xmlns:a16="http://schemas.microsoft.com/office/drawing/2014/main" id="{2DB357A1-6379-7967-7EC2-66ECF6B05E99}"/>
+              </a:ext>
+            </a:extLst>
+          </p:cNvPr>
+          <p:cNvPicPr>
+            <a:picLocks noChangeAspect="1"/>
+          </p:cNvPicPr>
+          <p:nvPr/>
+        </p:nvPicPr>
+        <p:blipFill>
+          <a:blip r:embed="rId3">
+            <a:extLst>
+              <a:ext uri="{28A0092B-C50C-407E-A947-70E740481C1C}">
+                <a14:useLocalDpi xmlns:a14="http://schemas.microsoft.com/office/drawing/2010/main" val="0"/>
+              </a:ext>
+            </a:extLst>
+          </a:blip>
+          <a:stretch>
+            <a:fillRect/>
+          </a:stretch>
+        </p:blipFill>
+        <p:spPr>
+          <a:xfrm>
+            <a:off x="4991878" y="2019675"/>
+            <a:ext cx="5635494" cy="4121110"/>
+          </a:xfrm>
+          <a:prstGeom prst="rect">
+            <a:avLst/>
+          </a:prstGeom>
+        </p:spPr>
+      </p:pic>
+      <p:pic>
+        <p:nvPicPr>
+          <p:cNvPr id="1034" name="Picture 10" descr="Free Desktop computer mockup cutout, Png file 8530058 PNG with Transparent  Background">
+            <a:extLst>
+              <a:ext uri="{FF2B5EF4-FFF2-40B4-BE49-F238E27FC236}">
+                <a16:creationId xmlns:a16="http://schemas.microsoft.com/office/drawing/2014/main" id="{AACB767B-3707-8389-D35D-B03CB7AE1D4F}"/>
+              </a:ext>
+            </a:extLst>
+          </p:cNvPr>
+          <p:cNvPicPr>
+            <a:picLocks noChangeAspect="1" noChangeArrowheads="1"/>
+          </p:cNvPicPr>
+          <p:nvPr/>
+        </p:nvPicPr>
+        <p:blipFill rotWithShape="1">
+          <a:blip r:embed="rId4">
+            <a:extLst>
+              <a:ext uri="{28A0092B-C50C-407E-A947-70E740481C1C}">
+                <a14:useLocalDpi xmlns:a14="http://schemas.microsoft.com/office/drawing/2010/main" val="0"/>
+              </a:ext>
+            </a:extLst>
+          </a:blip>
+          <a:srcRect l="7191" t="5929" r="5932" b="17616"/>
+          <a:stretch/>
+        </p:blipFill>
+        <p:spPr bwMode="auto">
+          <a:xfrm>
+            <a:off x="4569348" y="1703869"/>
+            <a:ext cx="6284141" cy="4605911"/>
+          </a:xfrm>
+          <a:prstGeom prst="rect">
+            <a:avLst/>
+          </a:prstGeom>
+          <a:noFill/>
+          <a:extLst>
+            <a:ext uri="{909E8E84-426E-40DD-AFC4-6F175D3DCCD1}">
+              <a14:hiddenFill xmlns:a14="http://schemas.microsoft.com/office/drawing/2010/main">
+                <a:solidFill>
+                  <a:srgbClr val="FFFFFF"/>
+                </a:solidFill>
+              </a14:hiddenFill>
+            </a:ext>
+          </a:extLst>
+        </p:spPr>
+      </p:pic>
+      <p:pic>
+        <p:nvPicPr>
+          <p:cNvPr id="6" name="Afbeelding 5">
+            <a:extLst>
+              <a:ext uri="{FF2B5EF4-FFF2-40B4-BE49-F238E27FC236}">
+                <a16:creationId xmlns:a16="http://schemas.microsoft.com/office/drawing/2014/main" id="{C6D53FFA-3232-7E93-E3B8-3EFC243D7292}"/>
+              </a:ext>
+            </a:extLst>
+          </p:cNvPr>
+          <p:cNvPicPr>
+            <a:picLocks noChangeAspect="1"/>
+          </p:cNvPicPr>
+          <p:nvPr/>
+        </p:nvPicPr>
+        <p:blipFill>
+          <a:blip r:embed="rId5">
+            <a:extLst>
+              <a:ext uri="{28A0092B-C50C-407E-A947-70E740481C1C}">
+                <a14:useLocalDpi xmlns:a14="http://schemas.microsoft.com/office/drawing/2010/main" val="0"/>
+              </a:ext>
+            </a:extLst>
+          </a:blip>
+          <a:stretch>
+            <a:fillRect/>
+          </a:stretch>
+        </p:blipFill>
+        <p:spPr>
+          <a:xfrm>
+            <a:off x="2155333" y="2282660"/>
+            <a:ext cx="1962825" cy="3448327"/>
+          </a:xfrm>
+          <a:prstGeom prst="rect">
+            <a:avLst/>
+          </a:prstGeom>
+        </p:spPr>
+      </p:pic>
     </p:spTree>
     <p:extLst>
       <p:ext uri="{BB962C8B-B14F-4D97-AF65-F5344CB8AC3E}">
-        <p14:creationId xmlns:p14="http://schemas.microsoft.com/office/powerpoint/2010/main" val="592082685"/>
+        <p14:creationId xmlns:p14="http://schemas.microsoft.com/office/powerpoint/2010/main" val="212184828"/>
+      </p:ext>
+    </p:extLst>
+  </p:cSld>
+  <p:clrMapOvr>
+    <a:masterClrMapping/>
+  </p:clrMapOvr>
+</p:sld>
+</file>
+
+<file path=ppt/slides/slide5.xml><?xml version="1.0" encoding="utf-8"?>
+<p:sld xmlns:a="http://schemas.openxmlformats.org/drawingml/2006/main" xmlns:r="http://schemas.openxmlformats.org/officeDocument/2006/relationships" xmlns:p="http://schemas.openxmlformats.org/presentationml/2006/main">
+  <p:cSld>
+    <p:bg>
+      <p:bgPr>
+        <a:solidFill>
+          <a:srgbClr val="DCDCDC"/>
+        </a:solidFill>
+        <a:effectLst/>
+      </p:bgPr>
+    </p:bg>
+    <p:spTree>
+      <p:nvGrpSpPr>
+        <p:cNvPr id="1" name=""/>
+        <p:cNvGrpSpPr/>
+        <p:nvPr/>
+      </p:nvGrpSpPr>
+      <p:grpSpPr>
+        <a:xfrm>
+          <a:off x="0" y="0"/>
+          <a:ext cx="0" cy="0"/>
+          <a:chOff x="0" y="0"/>
+          <a:chExt cx="0" cy="0"/>
+        </a:xfrm>
+      </p:grpSpPr>
+      <p:sp>
+        <p:nvSpPr>
+          <p:cNvPr id="5" name="Rechthoek: afgeronde hoeken 4">
+            <a:extLst>
+              <a:ext uri="{FF2B5EF4-FFF2-40B4-BE49-F238E27FC236}">
+                <a16:creationId xmlns:a16="http://schemas.microsoft.com/office/drawing/2014/main" id="{1CE9AB6A-4EC7-8687-91B4-B714FD0EB3C7}"/>
+              </a:ext>
+            </a:extLst>
+          </p:cNvPr>
+          <p:cNvSpPr/>
+          <p:nvPr/>
+        </p:nvSpPr>
+        <p:spPr>
+          <a:xfrm>
+            <a:off x="405711" y="717215"/>
+            <a:ext cx="11481489" cy="5935512"/>
+          </a:xfrm>
+          <a:prstGeom prst="roundRect">
+            <a:avLst>
+              <a:gd name="adj" fmla="val 1406"/>
+            </a:avLst>
+          </a:prstGeom>
+          <a:solidFill>
+            <a:schemeClr val="bg1"/>
+          </a:solidFill>
+          <a:ln>
+            <a:noFill/>
+          </a:ln>
+          <a:effectLst>
+            <a:outerShdw blurRad="50800" dist="50800" dir="5580000" algn="ctr" rotWithShape="0">
+              <a:srgbClr val="000000">
+                <a:alpha val="4000"/>
+              </a:srgbClr>
+            </a:outerShdw>
+            <a:softEdge rad="0"/>
+          </a:effectLst>
+        </p:spPr>
+        <p:style>
+          <a:lnRef idx="2">
+            <a:schemeClr val="accent1">
+              <a:shade val="50000"/>
+            </a:schemeClr>
+          </a:lnRef>
+          <a:fillRef idx="1">
+            <a:schemeClr val="accent1"/>
+          </a:fillRef>
+          <a:effectRef idx="0">
+            <a:schemeClr val="accent1"/>
+          </a:effectRef>
+          <a:fontRef idx="minor">
+            <a:schemeClr val="lt1"/>
+          </a:fontRef>
+        </p:style>
+        <p:txBody>
+          <a:bodyPr rtlCol="0" anchor="ctr"/>
+          <a:lstStyle/>
+          <a:p>
+            <a:pPr algn="ctr"/>
+            <a:endParaRPr lang="nl-BE" dirty="0"/>
+          </a:p>
+        </p:txBody>
+      </p:sp>
+      <p:sp>
+        <p:nvSpPr>
+          <p:cNvPr id="2" name="Titel 1">
+            <a:extLst>
+              <a:ext uri="{FF2B5EF4-FFF2-40B4-BE49-F238E27FC236}">
+                <a16:creationId xmlns:a16="http://schemas.microsoft.com/office/drawing/2014/main" id="{2092D7C0-CA06-401A-F05D-1970082E0F21}"/>
+              </a:ext>
+            </a:extLst>
+          </p:cNvPr>
+          <p:cNvSpPr>
+            <a:spLocks noGrp="1"/>
+          </p:cNvSpPr>
+          <p:nvPr>
+            <p:ph type="ctrTitle"/>
+          </p:nvPr>
+        </p:nvSpPr>
+        <p:spPr>
+          <a:xfrm>
+            <a:off x="3489649" y="838042"/>
+            <a:ext cx="5656607" cy="745000"/>
+          </a:xfrm>
+        </p:spPr>
+        <p:txBody>
+          <a:bodyPr>
+            <a:normAutofit/>
+          </a:bodyPr>
+          <a:lstStyle/>
+          <a:p>
+            <a:r>
+              <a:rPr lang="nl-BE" sz="4400" dirty="0" err="1"/>
+              <a:t>Wire</a:t>
+            </a:r>
+            <a:r>
+              <a:rPr lang="nl-BE" sz="4400" dirty="0"/>
+              <a:t> Frames</a:t>
+            </a:r>
+          </a:p>
+        </p:txBody>
+      </p:sp>
+      <p:sp>
+        <p:nvSpPr>
+          <p:cNvPr id="4" name="Rechthoek 3">
+            <a:extLst>
+              <a:ext uri="{FF2B5EF4-FFF2-40B4-BE49-F238E27FC236}">
+                <a16:creationId xmlns:a16="http://schemas.microsoft.com/office/drawing/2014/main" id="{E42C05AB-2C12-60A5-02EF-DFED022A483C}"/>
+              </a:ext>
+            </a:extLst>
+          </p:cNvPr>
+          <p:cNvSpPr/>
+          <p:nvPr/>
+        </p:nvSpPr>
+        <p:spPr>
+          <a:xfrm>
+            <a:off x="-235390" y="-99588"/>
+            <a:ext cx="12593370" cy="633742"/>
+          </a:xfrm>
+          <a:prstGeom prst="rect">
+            <a:avLst/>
+          </a:prstGeom>
+          <a:solidFill>
+            <a:srgbClr val="234671"/>
+          </a:solidFill>
+        </p:spPr>
+        <p:style>
+          <a:lnRef idx="2">
+            <a:schemeClr val="accent1">
+              <a:shade val="50000"/>
+            </a:schemeClr>
+          </a:lnRef>
+          <a:fillRef idx="1">
+            <a:schemeClr val="accent1"/>
+          </a:fillRef>
+          <a:effectRef idx="0">
+            <a:schemeClr val="accent1"/>
+          </a:effectRef>
+          <a:fontRef idx="minor">
+            <a:schemeClr val="lt1"/>
+          </a:fontRef>
+        </p:style>
+        <p:txBody>
+          <a:bodyPr rtlCol="0" anchor="ctr"/>
+          <a:lstStyle/>
+          <a:p>
+            <a:pPr algn="ctr"/>
+            <a:endParaRPr lang="nl-BE"/>
+          </a:p>
+        </p:txBody>
+      </p:sp>
+      <p:cxnSp>
+        <p:nvCxnSpPr>
+          <p:cNvPr id="9" name="Rechte verbindingslijn 8">
+            <a:extLst>
+              <a:ext uri="{FF2B5EF4-FFF2-40B4-BE49-F238E27FC236}">
+                <a16:creationId xmlns:a16="http://schemas.microsoft.com/office/drawing/2014/main" id="{DE1EAD4C-2E48-46D8-40AD-62217AEB0C74}"/>
+              </a:ext>
+            </a:extLst>
+          </p:cNvPr>
+          <p:cNvCxnSpPr/>
+          <p:nvPr/>
+        </p:nvCxnSpPr>
+        <p:spPr>
+          <a:xfrm>
+            <a:off x="5178490" y="1651518"/>
+            <a:ext cx="1978090" cy="0"/>
+          </a:xfrm>
+          <a:prstGeom prst="line">
+            <a:avLst/>
+          </a:prstGeom>
+        </p:spPr>
+        <p:style>
+          <a:lnRef idx="1">
+            <a:schemeClr val="dk1"/>
+          </a:lnRef>
+          <a:fillRef idx="0">
+            <a:schemeClr val="dk1"/>
+          </a:fillRef>
+          <a:effectRef idx="0">
+            <a:schemeClr val="dk1"/>
+          </a:effectRef>
+          <a:fontRef idx="minor">
+            <a:schemeClr val="tx1"/>
+          </a:fontRef>
+        </p:style>
+      </p:cxnSp>
+      <p:sp>
+        <p:nvSpPr>
+          <p:cNvPr id="10" name="Tekstvak 9">
+            <a:extLst>
+              <a:ext uri="{FF2B5EF4-FFF2-40B4-BE49-F238E27FC236}">
+                <a16:creationId xmlns:a16="http://schemas.microsoft.com/office/drawing/2014/main" id="{FB75F23D-17DF-DE51-DE81-7B917D13F4EF}"/>
+              </a:ext>
+            </a:extLst>
+          </p:cNvPr>
+          <p:cNvSpPr txBox="1"/>
+          <p:nvPr/>
+        </p:nvSpPr>
+        <p:spPr>
+          <a:xfrm>
+            <a:off x="522514" y="1651518"/>
+            <a:ext cx="11263775" cy="369332"/>
+          </a:xfrm>
+          <a:prstGeom prst="rect">
+            <a:avLst/>
+          </a:prstGeom>
+          <a:noFill/>
+        </p:spPr>
+        <p:txBody>
+          <a:bodyPr wrap="square" rtlCol="0">
+            <a:spAutoFit/>
+          </a:bodyPr>
+          <a:lstStyle/>
+          <a:p>
+            <a:r>
+              <a:rPr lang="nl-BE" dirty="0"/>
+              <a:t>Mobile First</a:t>
+            </a:r>
+          </a:p>
+        </p:txBody>
+      </p:sp>
+      <p:pic>
+        <p:nvPicPr>
+          <p:cNvPr id="1026" name="Picture 2" descr="Mobile Phone Mockup Images | Free PSD, Vector &amp; PNG Device Mockups -  rawpixel">
+            <a:extLst>
+              <a:ext uri="{FF2B5EF4-FFF2-40B4-BE49-F238E27FC236}">
+                <a16:creationId xmlns:a16="http://schemas.microsoft.com/office/drawing/2014/main" id="{A643D958-FE8F-657F-B35D-2AB0E2CFCBFE}"/>
+              </a:ext>
+            </a:extLst>
+          </p:cNvPr>
+          <p:cNvPicPr>
+            <a:picLocks noChangeAspect="1" noChangeArrowheads="1"/>
+          </p:cNvPicPr>
+          <p:nvPr/>
+        </p:nvPicPr>
+        <p:blipFill rotWithShape="1">
+          <a:blip r:embed="rId2">
+            <a:extLst>
+              <a:ext uri="{28A0092B-C50C-407E-A947-70E740481C1C}">
+                <a14:useLocalDpi xmlns:a14="http://schemas.microsoft.com/office/drawing/2010/main" val="0"/>
+              </a:ext>
+            </a:extLst>
+          </a:blip>
+          <a:srcRect l="20853" t="10048" r="20260" b="10447"/>
+          <a:stretch/>
+        </p:blipFill>
+        <p:spPr bwMode="auto">
+          <a:xfrm>
+            <a:off x="2033615" y="1897525"/>
+            <a:ext cx="2206262" cy="4468240"/>
+          </a:xfrm>
+          <a:prstGeom prst="rect">
+            <a:avLst/>
+          </a:prstGeom>
+          <a:noFill/>
+          <a:extLst>
+            <a:ext uri="{909E8E84-426E-40DD-AFC4-6F175D3DCCD1}">
+              <a14:hiddenFill xmlns:a14="http://schemas.microsoft.com/office/drawing/2010/main">
+                <a:solidFill>
+                  <a:srgbClr val="FFFFFF"/>
+                </a:solidFill>
+              </a14:hiddenFill>
+            </a:ext>
+          </a:extLst>
+        </p:spPr>
+      </p:pic>
+      <p:pic>
+        <p:nvPicPr>
+          <p:cNvPr id="11" name="Afbeelding 10" descr="Afbeelding met tekst&#10;&#10;Automatisch gegenereerde beschrijving">
+            <a:extLst>
+              <a:ext uri="{FF2B5EF4-FFF2-40B4-BE49-F238E27FC236}">
+                <a16:creationId xmlns:a16="http://schemas.microsoft.com/office/drawing/2014/main" id="{DC1310A1-79B2-5C95-8C93-FF1AA91949EE}"/>
+              </a:ext>
+            </a:extLst>
+          </p:cNvPr>
+          <p:cNvPicPr>
+            <a:picLocks noChangeAspect="1"/>
+          </p:cNvPicPr>
+          <p:nvPr/>
+        </p:nvPicPr>
+        <p:blipFill rotWithShape="1">
+          <a:blip r:embed="rId3">
+            <a:extLst>
+              <a:ext uri="{28A0092B-C50C-407E-A947-70E740481C1C}">
+                <a14:useLocalDpi xmlns:a14="http://schemas.microsoft.com/office/drawing/2010/main" val="0"/>
+              </a:ext>
+            </a:extLst>
+          </a:blip>
+          <a:srcRect l="6083" r="9544"/>
+          <a:stretch/>
+        </p:blipFill>
+        <p:spPr>
+          <a:xfrm>
+            <a:off x="5178490" y="1916187"/>
+            <a:ext cx="4506686" cy="3492124"/>
+          </a:xfrm>
+          <a:prstGeom prst="rect">
+            <a:avLst/>
+          </a:prstGeom>
+        </p:spPr>
+      </p:pic>
+      <p:pic>
+        <p:nvPicPr>
+          <p:cNvPr id="1034" name="Picture 10" descr="Free Desktop computer mockup cutout, Png file 8530058 PNG with Transparent  Background">
+            <a:extLst>
+              <a:ext uri="{FF2B5EF4-FFF2-40B4-BE49-F238E27FC236}">
+                <a16:creationId xmlns:a16="http://schemas.microsoft.com/office/drawing/2014/main" id="{AACB767B-3707-8389-D35D-B03CB7AE1D4F}"/>
+              </a:ext>
+            </a:extLst>
+          </p:cNvPr>
+          <p:cNvPicPr>
+            <a:picLocks noChangeAspect="1" noChangeArrowheads="1"/>
+          </p:cNvPicPr>
+          <p:nvPr/>
+        </p:nvPicPr>
+        <p:blipFill rotWithShape="1">
+          <a:blip r:embed="rId4">
+            <a:extLst>
+              <a:ext uri="{28A0092B-C50C-407E-A947-70E740481C1C}">
+                <a14:useLocalDpi xmlns:a14="http://schemas.microsoft.com/office/drawing/2010/main" val="0"/>
+              </a:ext>
+            </a:extLst>
+          </a:blip>
+          <a:srcRect l="7191" t="5929" r="5932" b="17616"/>
+          <a:stretch/>
+        </p:blipFill>
+        <p:spPr bwMode="auto">
+          <a:xfrm>
+            <a:off x="4349075" y="1766103"/>
+            <a:ext cx="6382236" cy="4677809"/>
+          </a:xfrm>
+          <a:prstGeom prst="rect">
+            <a:avLst/>
+          </a:prstGeom>
+          <a:noFill/>
+          <a:extLst>
+            <a:ext uri="{909E8E84-426E-40DD-AFC4-6F175D3DCCD1}">
+              <a14:hiddenFill xmlns:a14="http://schemas.microsoft.com/office/drawing/2010/main">
+                <a:solidFill>
+                  <a:srgbClr val="FFFFFF"/>
+                </a:solidFill>
+              </a14:hiddenFill>
+            </a:ext>
+          </a:extLst>
+        </p:spPr>
+      </p:pic>
+      <p:pic>
+        <p:nvPicPr>
+          <p:cNvPr id="6" name="Afbeelding 5" descr="Afbeelding met tekst&#10;&#10;Automatisch gegenereerde beschrijving">
+            <a:extLst>
+              <a:ext uri="{FF2B5EF4-FFF2-40B4-BE49-F238E27FC236}">
+                <a16:creationId xmlns:a16="http://schemas.microsoft.com/office/drawing/2014/main" id="{BC65F05C-C055-885E-8764-F9A08515EDB0}"/>
+              </a:ext>
+            </a:extLst>
+          </p:cNvPr>
+          <p:cNvPicPr>
+            <a:picLocks noChangeAspect="1"/>
+          </p:cNvPicPr>
+          <p:nvPr/>
+        </p:nvPicPr>
+        <p:blipFill rotWithShape="1">
+          <a:blip r:embed="rId5">
+            <a:extLst>
+              <a:ext uri="{28A0092B-C50C-407E-A947-70E740481C1C}">
+                <a14:useLocalDpi xmlns:a14="http://schemas.microsoft.com/office/drawing/2010/main" val="0"/>
+              </a:ext>
+            </a:extLst>
+          </a:blip>
+          <a:srcRect r="21227"/>
+          <a:stretch/>
+        </p:blipFill>
+        <p:spPr>
+          <a:xfrm>
+            <a:off x="2086238" y="2266857"/>
+            <a:ext cx="2031722" cy="3158876"/>
+          </a:xfrm>
+          <a:prstGeom prst="rect">
+            <a:avLst/>
+          </a:prstGeom>
+        </p:spPr>
+      </p:pic>
+    </p:spTree>
+    <p:extLst>
+      <p:ext uri="{BB962C8B-B14F-4D97-AF65-F5344CB8AC3E}">
+        <p14:creationId xmlns:p14="http://schemas.microsoft.com/office/powerpoint/2010/main" val="3753534099"/>
+      </p:ext>
+    </p:extLst>
+  </p:cSld>
+  <p:clrMapOvr>
+    <a:masterClrMapping/>
+  </p:clrMapOvr>
+</p:sld>
+</file>
+
+<file path=ppt/slides/slide6.xml><?xml version="1.0" encoding="utf-8"?>
+<p:sld xmlns:a="http://schemas.openxmlformats.org/drawingml/2006/main" xmlns:r="http://schemas.openxmlformats.org/officeDocument/2006/relationships" xmlns:p="http://schemas.openxmlformats.org/presentationml/2006/main">
+  <p:cSld>
+    <p:bg>
+      <p:bgPr>
+        <a:solidFill>
+          <a:srgbClr val="DCDCDC"/>
+        </a:solidFill>
+        <a:effectLst/>
+      </p:bgPr>
+    </p:bg>
+    <p:spTree>
+      <p:nvGrpSpPr>
+        <p:cNvPr id="1" name=""/>
+        <p:cNvGrpSpPr/>
+        <p:nvPr/>
+      </p:nvGrpSpPr>
+      <p:grpSpPr>
+        <a:xfrm>
+          <a:off x="0" y="0"/>
+          <a:ext cx="0" cy="0"/>
+          <a:chOff x="0" y="0"/>
+          <a:chExt cx="0" cy="0"/>
+        </a:xfrm>
+      </p:grpSpPr>
+      <p:sp>
+        <p:nvSpPr>
+          <p:cNvPr id="5" name="Rechthoek: afgeronde hoeken 4">
+            <a:extLst>
+              <a:ext uri="{FF2B5EF4-FFF2-40B4-BE49-F238E27FC236}">
+                <a16:creationId xmlns:a16="http://schemas.microsoft.com/office/drawing/2014/main" id="{1CE9AB6A-4EC7-8687-91B4-B714FD0EB3C7}"/>
+              </a:ext>
+            </a:extLst>
+          </p:cNvPr>
+          <p:cNvSpPr/>
+          <p:nvPr/>
+        </p:nvSpPr>
+        <p:spPr>
+          <a:xfrm>
+            <a:off x="405711" y="717215"/>
+            <a:ext cx="11481489" cy="5935512"/>
+          </a:xfrm>
+          <a:prstGeom prst="roundRect">
+            <a:avLst>
+              <a:gd name="adj" fmla="val 1406"/>
+            </a:avLst>
+          </a:prstGeom>
+          <a:solidFill>
+            <a:schemeClr val="bg1"/>
+          </a:solidFill>
+          <a:ln>
+            <a:noFill/>
+          </a:ln>
+          <a:effectLst>
+            <a:outerShdw blurRad="50800" dist="50800" dir="5580000" algn="ctr" rotWithShape="0">
+              <a:srgbClr val="000000">
+                <a:alpha val="4000"/>
+              </a:srgbClr>
+            </a:outerShdw>
+            <a:softEdge rad="0"/>
+          </a:effectLst>
+        </p:spPr>
+        <p:style>
+          <a:lnRef idx="2">
+            <a:schemeClr val="accent1">
+              <a:shade val="50000"/>
+            </a:schemeClr>
+          </a:lnRef>
+          <a:fillRef idx="1">
+            <a:schemeClr val="accent1"/>
+          </a:fillRef>
+          <a:effectRef idx="0">
+            <a:schemeClr val="accent1"/>
+          </a:effectRef>
+          <a:fontRef idx="minor">
+            <a:schemeClr val="lt1"/>
+          </a:fontRef>
+        </p:style>
+        <p:txBody>
+          <a:bodyPr rtlCol="0" anchor="ctr"/>
+          <a:lstStyle/>
+          <a:p>
+            <a:pPr algn="ctr"/>
+            <a:endParaRPr lang="nl-BE"/>
+          </a:p>
+        </p:txBody>
+      </p:sp>
+      <p:sp>
+        <p:nvSpPr>
+          <p:cNvPr id="2" name="Titel 1">
+            <a:extLst>
+              <a:ext uri="{FF2B5EF4-FFF2-40B4-BE49-F238E27FC236}">
+                <a16:creationId xmlns:a16="http://schemas.microsoft.com/office/drawing/2014/main" id="{2092D7C0-CA06-401A-F05D-1970082E0F21}"/>
+              </a:ext>
+            </a:extLst>
+          </p:cNvPr>
+          <p:cNvSpPr>
+            <a:spLocks noGrp="1"/>
+          </p:cNvSpPr>
+          <p:nvPr>
+            <p:ph type="ctrTitle"/>
+          </p:nvPr>
+        </p:nvSpPr>
+        <p:spPr>
+          <a:xfrm>
+            <a:off x="3489649" y="838042"/>
+            <a:ext cx="5656607" cy="745000"/>
+          </a:xfrm>
+        </p:spPr>
+        <p:txBody>
+          <a:bodyPr>
+            <a:normAutofit/>
+          </a:bodyPr>
+          <a:lstStyle/>
+          <a:p>
+            <a:r>
+              <a:rPr lang="nl-BE" sz="4400" dirty="0" err="1"/>
+              <a:t>Usability</a:t>
+            </a:r>
+            <a:r>
+              <a:rPr lang="nl-BE" sz="4400" dirty="0"/>
+              <a:t> Verslagen</a:t>
+            </a:r>
+          </a:p>
+        </p:txBody>
+      </p:sp>
+      <p:sp>
+        <p:nvSpPr>
+          <p:cNvPr id="4" name="Rechthoek 3">
+            <a:extLst>
+              <a:ext uri="{FF2B5EF4-FFF2-40B4-BE49-F238E27FC236}">
+                <a16:creationId xmlns:a16="http://schemas.microsoft.com/office/drawing/2014/main" id="{E42C05AB-2C12-60A5-02EF-DFED022A483C}"/>
+              </a:ext>
+            </a:extLst>
+          </p:cNvPr>
+          <p:cNvSpPr/>
+          <p:nvPr/>
+        </p:nvSpPr>
+        <p:spPr>
+          <a:xfrm>
+            <a:off x="-235390" y="-99588"/>
+            <a:ext cx="12593370" cy="633742"/>
+          </a:xfrm>
+          <a:prstGeom prst="rect">
+            <a:avLst/>
+          </a:prstGeom>
+          <a:solidFill>
+            <a:srgbClr val="234671"/>
+          </a:solidFill>
+        </p:spPr>
+        <p:style>
+          <a:lnRef idx="2">
+            <a:schemeClr val="accent1">
+              <a:shade val="50000"/>
+            </a:schemeClr>
+          </a:lnRef>
+          <a:fillRef idx="1">
+            <a:schemeClr val="accent1"/>
+          </a:fillRef>
+          <a:effectRef idx="0">
+            <a:schemeClr val="accent1"/>
+          </a:effectRef>
+          <a:fontRef idx="minor">
+            <a:schemeClr val="lt1"/>
+          </a:fontRef>
+        </p:style>
+        <p:txBody>
+          <a:bodyPr rtlCol="0" anchor="ctr"/>
+          <a:lstStyle/>
+          <a:p>
+            <a:pPr algn="ctr"/>
+            <a:endParaRPr lang="nl-BE"/>
+          </a:p>
+        </p:txBody>
+      </p:sp>
+      <p:cxnSp>
+        <p:nvCxnSpPr>
+          <p:cNvPr id="9" name="Rechte verbindingslijn 8">
+            <a:extLst>
+              <a:ext uri="{FF2B5EF4-FFF2-40B4-BE49-F238E27FC236}">
+                <a16:creationId xmlns:a16="http://schemas.microsoft.com/office/drawing/2014/main" id="{DE1EAD4C-2E48-46D8-40AD-62217AEB0C74}"/>
+              </a:ext>
+            </a:extLst>
+          </p:cNvPr>
+          <p:cNvCxnSpPr/>
+          <p:nvPr/>
+        </p:nvCxnSpPr>
+        <p:spPr>
+          <a:xfrm>
+            <a:off x="5178490" y="1651518"/>
+            <a:ext cx="1978090" cy="0"/>
+          </a:xfrm>
+          <a:prstGeom prst="line">
+            <a:avLst/>
+          </a:prstGeom>
+        </p:spPr>
+        <p:style>
+          <a:lnRef idx="1">
+            <a:schemeClr val="dk1"/>
+          </a:lnRef>
+          <a:fillRef idx="0">
+            <a:schemeClr val="dk1"/>
+          </a:fillRef>
+          <a:effectRef idx="0">
+            <a:schemeClr val="dk1"/>
+          </a:effectRef>
+          <a:fontRef idx="minor">
+            <a:schemeClr val="tx1"/>
+          </a:fontRef>
+        </p:style>
+      </p:cxnSp>
+      <p:sp>
+        <p:nvSpPr>
+          <p:cNvPr id="10" name="Tekstvak 9">
+            <a:extLst>
+              <a:ext uri="{FF2B5EF4-FFF2-40B4-BE49-F238E27FC236}">
+                <a16:creationId xmlns:a16="http://schemas.microsoft.com/office/drawing/2014/main" id="{FB75F23D-17DF-DE51-DE81-7B917D13F4EF}"/>
+              </a:ext>
+            </a:extLst>
+          </p:cNvPr>
+          <p:cNvSpPr txBox="1"/>
+          <p:nvPr/>
+        </p:nvSpPr>
+        <p:spPr>
+          <a:xfrm>
+            <a:off x="522514" y="1651518"/>
+            <a:ext cx="11263775" cy="2308324"/>
+          </a:xfrm>
+          <a:prstGeom prst="rect">
+            <a:avLst/>
+          </a:prstGeom>
+          <a:noFill/>
+        </p:spPr>
+        <p:txBody>
+          <a:bodyPr wrap="square" rtlCol="0">
+            <a:spAutoFit/>
+          </a:bodyPr>
+          <a:lstStyle/>
+          <a:p>
+            <a:r>
+              <a:rPr lang="nl-BE" dirty="0"/>
+              <a:t>Opmerkingen</a:t>
+            </a:r>
+          </a:p>
+          <a:p>
+            <a:pPr marL="285750" indent="-285750">
+              <a:buFont typeface="Arial" panose="020B0604020202020204" pitchFamily="34" charset="0"/>
+              <a:buChar char="•"/>
+            </a:pPr>
+            <a:r>
+              <a:rPr lang="nl-BE" dirty="0"/>
+              <a:t>Engels &amp; Nederlands door elkaar</a:t>
+            </a:r>
+          </a:p>
+          <a:p>
+            <a:pPr marL="285750" indent="-285750">
+              <a:buFont typeface="Arial" panose="020B0604020202020204" pitchFamily="34" charset="0"/>
+              <a:buChar char="•"/>
+            </a:pPr>
+            <a:r>
+              <a:rPr lang="nl-BE" dirty="0"/>
+              <a:t>Vast op pagina</a:t>
+            </a:r>
+          </a:p>
+          <a:p>
+            <a:pPr marL="285750" indent="-285750">
+              <a:buFont typeface="Arial" panose="020B0604020202020204" pitchFamily="34" charset="0"/>
+              <a:buChar char="•"/>
+            </a:pPr>
+            <a:r>
+              <a:rPr lang="nl-BE" dirty="0"/>
+              <a:t>Drag en Drop niet duidelijk</a:t>
+            </a:r>
+          </a:p>
+          <a:p>
+            <a:pPr marL="285750" indent="-285750">
+              <a:buFont typeface="Arial" panose="020B0604020202020204" pitchFamily="34" charset="0"/>
+              <a:buChar char="•"/>
+            </a:pPr>
+            <a:endParaRPr lang="nl-BE" dirty="0"/>
+          </a:p>
+          <a:p>
+            <a:endParaRPr lang="nl-BE" dirty="0"/>
+          </a:p>
+          <a:p>
+            <a:r>
+              <a:rPr lang="nl-BE" dirty="0"/>
+              <a:t>Oplossingen</a:t>
+            </a:r>
+          </a:p>
+          <a:p>
+            <a:endParaRPr lang="nl-BE" dirty="0"/>
+          </a:p>
+        </p:txBody>
+      </p:sp>
+      <p:pic>
+        <p:nvPicPr>
+          <p:cNvPr id="12" name="Afbeelding 11">
+            <a:extLst>
+              <a:ext uri="{FF2B5EF4-FFF2-40B4-BE49-F238E27FC236}">
+                <a16:creationId xmlns:a16="http://schemas.microsoft.com/office/drawing/2014/main" id="{11DDBDA2-5F83-FF9F-5A98-67CD5B0119CE}"/>
+              </a:ext>
+            </a:extLst>
+          </p:cNvPr>
+          <p:cNvPicPr>
+            <a:picLocks noChangeAspect="1"/>
+          </p:cNvPicPr>
+          <p:nvPr/>
+        </p:nvPicPr>
+        <p:blipFill rotWithShape="1">
+          <a:blip r:embed="rId2"/>
+          <a:srcRect l="10824" r="37248"/>
+          <a:stretch/>
+        </p:blipFill>
+        <p:spPr>
+          <a:xfrm>
+            <a:off x="839755" y="4047255"/>
+            <a:ext cx="3862874" cy="1524000"/>
+          </a:xfrm>
+          <a:prstGeom prst="rect">
+            <a:avLst/>
+          </a:prstGeom>
+        </p:spPr>
+      </p:pic>
+      <p:pic>
+        <p:nvPicPr>
+          <p:cNvPr id="14" name="Afbeelding 13">
+            <a:extLst>
+              <a:ext uri="{FF2B5EF4-FFF2-40B4-BE49-F238E27FC236}">
+                <a16:creationId xmlns:a16="http://schemas.microsoft.com/office/drawing/2014/main" id="{59FAD354-9282-247F-994B-BCCD9AED2211}"/>
+              </a:ext>
+            </a:extLst>
+          </p:cNvPr>
+          <p:cNvPicPr>
+            <a:picLocks noChangeAspect="1"/>
+          </p:cNvPicPr>
+          <p:nvPr/>
+        </p:nvPicPr>
+        <p:blipFill>
+          <a:blip r:embed="rId3"/>
+          <a:stretch>
+            <a:fillRect/>
+          </a:stretch>
+        </p:blipFill>
+        <p:spPr>
+          <a:xfrm>
+            <a:off x="5496314" y="3898782"/>
+            <a:ext cx="4819650" cy="1990725"/>
+          </a:xfrm>
+          <a:prstGeom prst="rect">
+            <a:avLst/>
+          </a:prstGeom>
+        </p:spPr>
+      </p:pic>
+    </p:spTree>
+    <p:extLst>
+      <p:ext uri="{BB962C8B-B14F-4D97-AF65-F5344CB8AC3E}">
+        <p14:creationId xmlns:p14="http://schemas.microsoft.com/office/powerpoint/2010/main" val="4261677176"/>
+      </p:ext>
+    </p:extLst>
+  </p:cSld>
+  <p:clrMapOvr>
+    <a:masterClrMapping/>
+  </p:clrMapOvr>
+</p:sld>
+</file>
+
+<file path=ppt/slides/slide7.xml><?xml version="1.0" encoding="utf-8"?>
+<p:sld xmlns:a="http://schemas.openxmlformats.org/drawingml/2006/main" xmlns:r="http://schemas.openxmlformats.org/officeDocument/2006/relationships" xmlns:p="http://schemas.openxmlformats.org/presentationml/2006/main">
+  <p:cSld>
+    <p:bg>
+      <p:bgPr>
+        <a:solidFill>
+          <a:srgbClr val="DCDCDC"/>
+        </a:solidFill>
+        <a:effectLst/>
+      </p:bgPr>
+    </p:bg>
+    <p:spTree>
+      <p:nvGrpSpPr>
+        <p:cNvPr id="1" name=""/>
+        <p:cNvGrpSpPr/>
+        <p:nvPr/>
+      </p:nvGrpSpPr>
+      <p:grpSpPr>
+        <a:xfrm>
+          <a:off x="0" y="0"/>
+          <a:ext cx="0" cy="0"/>
+          <a:chOff x="0" y="0"/>
+          <a:chExt cx="0" cy="0"/>
+        </a:xfrm>
+      </p:grpSpPr>
+      <p:sp>
+        <p:nvSpPr>
+          <p:cNvPr id="5" name="Rechthoek: afgeronde hoeken 4">
+            <a:extLst>
+              <a:ext uri="{FF2B5EF4-FFF2-40B4-BE49-F238E27FC236}">
+                <a16:creationId xmlns:a16="http://schemas.microsoft.com/office/drawing/2014/main" id="{1CE9AB6A-4EC7-8687-91B4-B714FD0EB3C7}"/>
+              </a:ext>
+            </a:extLst>
+          </p:cNvPr>
+          <p:cNvSpPr/>
+          <p:nvPr/>
+        </p:nvSpPr>
+        <p:spPr>
+          <a:xfrm>
+            <a:off x="405711" y="717215"/>
+            <a:ext cx="11481489" cy="5935512"/>
+          </a:xfrm>
+          <a:prstGeom prst="roundRect">
+            <a:avLst>
+              <a:gd name="adj" fmla="val 1406"/>
+            </a:avLst>
+          </a:prstGeom>
+          <a:solidFill>
+            <a:schemeClr val="bg1"/>
+          </a:solidFill>
+          <a:ln>
+            <a:noFill/>
+          </a:ln>
+          <a:effectLst>
+            <a:outerShdw blurRad="50800" dist="50800" dir="5580000" algn="ctr" rotWithShape="0">
+              <a:srgbClr val="000000">
+                <a:alpha val="4000"/>
+              </a:srgbClr>
+            </a:outerShdw>
+            <a:softEdge rad="0"/>
+          </a:effectLst>
+        </p:spPr>
+        <p:style>
+          <a:lnRef idx="2">
+            <a:schemeClr val="accent1">
+              <a:shade val="50000"/>
+            </a:schemeClr>
+          </a:lnRef>
+          <a:fillRef idx="1">
+            <a:schemeClr val="accent1"/>
+          </a:fillRef>
+          <a:effectRef idx="0">
+            <a:schemeClr val="accent1"/>
+          </a:effectRef>
+          <a:fontRef idx="minor">
+            <a:schemeClr val="lt1"/>
+          </a:fontRef>
+        </p:style>
+        <p:txBody>
+          <a:bodyPr rtlCol="0" anchor="ctr"/>
+          <a:lstStyle/>
+          <a:p>
+            <a:pPr algn="ctr"/>
+            <a:endParaRPr lang="nl-BE" dirty="0"/>
+          </a:p>
+        </p:txBody>
+      </p:sp>
+      <p:sp>
+        <p:nvSpPr>
+          <p:cNvPr id="2" name="Titel 1">
+            <a:extLst>
+              <a:ext uri="{FF2B5EF4-FFF2-40B4-BE49-F238E27FC236}">
+                <a16:creationId xmlns:a16="http://schemas.microsoft.com/office/drawing/2014/main" id="{2092D7C0-CA06-401A-F05D-1970082E0F21}"/>
+              </a:ext>
+            </a:extLst>
+          </p:cNvPr>
+          <p:cNvSpPr>
+            <a:spLocks noGrp="1"/>
+          </p:cNvSpPr>
+          <p:nvPr>
+            <p:ph type="ctrTitle"/>
+          </p:nvPr>
+        </p:nvSpPr>
+        <p:spPr>
+          <a:xfrm>
+            <a:off x="3489649" y="838042"/>
+            <a:ext cx="5656607" cy="745000"/>
+          </a:xfrm>
+        </p:spPr>
+        <p:txBody>
+          <a:bodyPr>
+            <a:normAutofit/>
+          </a:bodyPr>
+          <a:lstStyle/>
+          <a:p>
+            <a:r>
+              <a:rPr lang="nl-BE" sz="4400" dirty="0"/>
+              <a:t>Demo</a:t>
+            </a:r>
+          </a:p>
+        </p:txBody>
+      </p:sp>
+      <p:sp>
+        <p:nvSpPr>
+          <p:cNvPr id="4" name="Rechthoek 3">
+            <a:extLst>
+              <a:ext uri="{FF2B5EF4-FFF2-40B4-BE49-F238E27FC236}">
+                <a16:creationId xmlns:a16="http://schemas.microsoft.com/office/drawing/2014/main" id="{E42C05AB-2C12-60A5-02EF-DFED022A483C}"/>
+              </a:ext>
+            </a:extLst>
+          </p:cNvPr>
+          <p:cNvSpPr/>
+          <p:nvPr/>
+        </p:nvSpPr>
+        <p:spPr>
+          <a:xfrm>
+            <a:off x="-235390" y="-99588"/>
+            <a:ext cx="12593370" cy="633742"/>
+          </a:xfrm>
+          <a:prstGeom prst="rect">
+            <a:avLst/>
+          </a:prstGeom>
+          <a:solidFill>
+            <a:srgbClr val="234671"/>
+          </a:solidFill>
+        </p:spPr>
+        <p:style>
+          <a:lnRef idx="2">
+            <a:schemeClr val="accent1">
+              <a:shade val="50000"/>
+            </a:schemeClr>
+          </a:lnRef>
+          <a:fillRef idx="1">
+            <a:schemeClr val="accent1"/>
+          </a:fillRef>
+          <a:effectRef idx="0">
+            <a:schemeClr val="accent1"/>
+          </a:effectRef>
+          <a:fontRef idx="minor">
+            <a:schemeClr val="lt1"/>
+          </a:fontRef>
+        </p:style>
+        <p:txBody>
+          <a:bodyPr rtlCol="0" anchor="ctr"/>
+          <a:lstStyle/>
+          <a:p>
+            <a:pPr algn="ctr"/>
+            <a:endParaRPr lang="nl-BE"/>
+          </a:p>
+        </p:txBody>
+      </p:sp>
+      <p:cxnSp>
+        <p:nvCxnSpPr>
+          <p:cNvPr id="9" name="Rechte verbindingslijn 8">
+            <a:extLst>
+              <a:ext uri="{FF2B5EF4-FFF2-40B4-BE49-F238E27FC236}">
+                <a16:creationId xmlns:a16="http://schemas.microsoft.com/office/drawing/2014/main" id="{DE1EAD4C-2E48-46D8-40AD-62217AEB0C74}"/>
+              </a:ext>
+            </a:extLst>
+          </p:cNvPr>
+          <p:cNvCxnSpPr/>
+          <p:nvPr/>
+        </p:nvCxnSpPr>
+        <p:spPr>
+          <a:xfrm>
+            <a:off x="5178490" y="1651518"/>
+            <a:ext cx="1978090" cy="0"/>
+          </a:xfrm>
+          <a:prstGeom prst="line">
+            <a:avLst/>
+          </a:prstGeom>
+        </p:spPr>
+        <p:style>
+          <a:lnRef idx="1">
+            <a:schemeClr val="dk1"/>
+          </a:lnRef>
+          <a:fillRef idx="0">
+            <a:schemeClr val="dk1"/>
+          </a:fillRef>
+          <a:effectRef idx="0">
+            <a:schemeClr val="dk1"/>
+          </a:effectRef>
+          <a:fontRef idx="minor">
+            <a:schemeClr val="tx1"/>
+          </a:fontRef>
+        </p:style>
+      </p:cxnSp>
+    </p:spTree>
+    <p:extLst>
+      <p:ext uri="{BB962C8B-B14F-4D97-AF65-F5344CB8AC3E}">
+        <p14:creationId xmlns:p14="http://schemas.microsoft.com/office/powerpoint/2010/main" val="3524491683"/>
       </p:ext>
     </p:extLst>
   </p:cSld>
